--- a/Module 1 - Introduction to Cybersecurity/1. Introduction to Cybersecurity.pptx
+++ b/Module 1 - Introduction to Cybersecurity/1. Introduction to Cybersecurity.pptx
@@ -13,6 +13,20 @@
     <p:sldId id="260" r:id="rId7"/>
     <p:sldId id="263" r:id="rId8"/>
     <p:sldId id="264" r:id="rId9"/>
+    <p:sldId id="265" r:id="rId10"/>
+    <p:sldId id="266" r:id="rId11"/>
+    <p:sldId id="267" r:id="rId12"/>
+    <p:sldId id="268" r:id="rId13"/>
+    <p:sldId id="269" r:id="rId14"/>
+    <p:sldId id="271" r:id="rId15"/>
+    <p:sldId id="273" r:id="rId16"/>
+    <p:sldId id="274" r:id="rId17"/>
+    <p:sldId id="276" r:id="rId18"/>
+    <p:sldId id="277" r:id="rId19"/>
+    <p:sldId id="278" r:id="rId20"/>
+    <p:sldId id="279" r:id="rId21"/>
+    <p:sldId id="280" r:id="rId22"/>
+    <p:sldId id="281" r:id="rId23"/>
   </p:sldIdLst>
   <p:sldSz cx="12192000" cy="6858000"/>
   <p:notesSz cx="6858000" cy="9144000"/>
@@ -250,7 +264,7 @@
           <a:p>
             <a:fld id="{03F3ABD4-2F05-449F-AF84-571BEF8E7F67}" type="datetimeFigureOut">
               <a:rPr lang="en-US" smtClean="0"/>
-              <a:t>05/07/25</a:t>
+              <a:t>05/08/25</a:t>
             </a:fld>
             <a:endParaRPr lang="en-US"/>
           </a:p>
@@ -420,7 +434,7 @@
           <a:p>
             <a:fld id="{03F3ABD4-2F05-449F-AF84-571BEF8E7F67}" type="datetimeFigureOut">
               <a:rPr lang="en-US" smtClean="0"/>
-              <a:t>05/07/25</a:t>
+              <a:t>05/08/25</a:t>
             </a:fld>
             <a:endParaRPr lang="en-US"/>
           </a:p>
@@ -600,7 +614,7 @@
           <a:p>
             <a:fld id="{03F3ABD4-2F05-449F-AF84-571BEF8E7F67}" type="datetimeFigureOut">
               <a:rPr lang="en-US" smtClean="0"/>
-              <a:t>05/07/25</a:t>
+              <a:t>05/08/25</a:t>
             </a:fld>
             <a:endParaRPr lang="en-US"/>
           </a:p>
@@ -770,7 +784,7 @@
           <a:p>
             <a:fld id="{03F3ABD4-2F05-449F-AF84-571BEF8E7F67}" type="datetimeFigureOut">
               <a:rPr lang="en-US" smtClean="0"/>
-              <a:t>05/07/25</a:t>
+              <a:t>05/08/25</a:t>
             </a:fld>
             <a:endParaRPr lang="en-US"/>
           </a:p>
@@ -1016,7 +1030,7 @@
           <a:p>
             <a:fld id="{03F3ABD4-2F05-449F-AF84-571BEF8E7F67}" type="datetimeFigureOut">
               <a:rPr lang="en-US" smtClean="0"/>
-              <a:t>05/07/25</a:t>
+              <a:t>05/08/25</a:t>
             </a:fld>
             <a:endParaRPr lang="en-US"/>
           </a:p>
@@ -1248,7 +1262,7 @@
           <a:p>
             <a:fld id="{03F3ABD4-2F05-449F-AF84-571BEF8E7F67}" type="datetimeFigureOut">
               <a:rPr lang="en-US" smtClean="0"/>
-              <a:t>05/07/25</a:t>
+              <a:t>05/08/25</a:t>
             </a:fld>
             <a:endParaRPr lang="en-US"/>
           </a:p>
@@ -1615,7 +1629,7 @@
           <a:p>
             <a:fld id="{03F3ABD4-2F05-449F-AF84-571BEF8E7F67}" type="datetimeFigureOut">
               <a:rPr lang="en-US" smtClean="0"/>
-              <a:t>05/07/25</a:t>
+              <a:t>05/08/25</a:t>
             </a:fld>
             <a:endParaRPr lang="en-US"/>
           </a:p>
@@ -1733,7 +1747,7 @@
           <a:p>
             <a:fld id="{03F3ABD4-2F05-449F-AF84-571BEF8E7F67}" type="datetimeFigureOut">
               <a:rPr lang="en-US" smtClean="0"/>
-              <a:t>05/07/25</a:t>
+              <a:t>05/08/25</a:t>
             </a:fld>
             <a:endParaRPr lang="en-US"/>
           </a:p>
@@ -1828,7 +1842,7 @@
           <a:p>
             <a:fld id="{03F3ABD4-2F05-449F-AF84-571BEF8E7F67}" type="datetimeFigureOut">
               <a:rPr lang="en-US" smtClean="0"/>
-              <a:t>05/07/25</a:t>
+              <a:t>05/08/25</a:t>
             </a:fld>
             <a:endParaRPr lang="en-US"/>
           </a:p>
@@ -2105,7 +2119,7 @@
           <a:p>
             <a:fld id="{03F3ABD4-2F05-449F-AF84-571BEF8E7F67}" type="datetimeFigureOut">
               <a:rPr lang="en-US" smtClean="0"/>
-              <a:t>05/07/25</a:t>
+              <a:t>05/08/25</a:t>
             </a:fld>
             <a:endParaRPr lang="en-US"/>
           </a:p>
@@ -2358,7 +2372,7 @@
           <a:p>
             <a:fld id="{03F3ABD4-2F05-449F-AF84-571BEF8E7F67}" type="datetimeFigureOut">
               <a:rPr lang="en-US" smtClean="0"/>
-              <a:t>05/07/25</a:t>
+              <a:t>05/08/25</a:t>
             </a:fld>
             <a:endParaRPr lang="en-US"/>
           </a:p>
@@ -2571,7 +2585,7 @@
           <a:p>
             <a:fld id="{03F3ABD4-2F05-449F-AF84-571BEF8E7F67}" type="datetimeFigureOut">
               <a:rPr lang="en-US" smtClean="0"/>
-              <a:t>05/07/25</a:t>
+              <a:t>05/08/25</a:t>
             </a:fld>
             <a:endParaRPr lang="en-US"/>
           </a:p>
@@ -3204,16 +3218,6 @@
               </a:rPr>
               <a:t>Module 1: Introduction to Cybersecurity (Brief Overview)</a:t>
             </a:r>
-            <a:endParaRPr lang="en-US" b="1" dirty="0">
-              <a:effectLst>
-                <a:outerShdw blurRad="38100" dist="38100" dir="2700000" algn="tl">
-                  <a:srgbClr val="000000">
-                    <a:alpha val="43137"/>
-                  </a:srgbClr>
-                </a:outerShdw>
-              </a:effectLst>
-              <a:latin typeface="Franklin Gothic Demi" panose="020B0703020102020204" pitchFamily="34" charset="0"/>
-            </a:endParaRPr>
           </a:p>
         </p:txBody>
       </p:sp>
@@ -3227,13 +3231,2034 @@
   <p:clrMapOvr>
     <a:masterClrMapping/>
   </p:clrMapOvr>
-  <mc:AlternateContent xmlns:mc="http://schemas.openxmlformats.org/markup-compatibility/2006">
-    <mc:Choice xmlns:p14="http://schemas.microsoft.com/office/powerpoint/2010/main" Requires="p14">
+  <mc:AlternateContent xmlns:mc="http://schemas.openxmlformats.org/markup-compatibility/2006" xmlns:p14="http://schemas.microsoft.com/office/powerpoint/2010/main">
+    <mc:Choice Requires="p14">
       <p:transition spd="med" p14:dur="700">
         <p:fade/>
       </p:transition>
     </mc:Choice>
-    <mc:Fallback>
+    <mc:Fallback xmlns="">
+      <p:transition spd="med">
+        <p:fade/>
+      </p:transition>
+    </mc:Fallback>
+  </mc:AlternateContent>
+  <p:timing>
+    <p:tnLst>
+      <p:par>
+        <p:cTn id="1" dur="indefinite" restart="never" nodeType="tmRoot"/>
+      </p:par>
+    </p:tnLst>
+  </p:timing>
+</p:sld>
+</file>
+
+<file path=ppt/slides/slide10.xml><?xml version="1.0" encoding="utf-8"?>
+<p:sld xmlns:a="http://schemas.openxmlformats.org/drawingml/2006/main" xmlns:r="http://schemas.openxmlformats.org/officeDocument/2006/relationships" xmlns:p="http://schemas.openxmlformats.org/presentationml/2006/main">
+  <p:cSld>
+    <p:spTree>
+      <p:nvGrpSpPr>
+        <p:cNvPr id="1" name=""/>
+        <p:cNvGrpSpPr/>
+        <p:nvPr/>
+      </p:nvGrpSpPr>
+      <p:grpSpPr>
+        <a:xfrm>
+          <a:off x="0" y="0"/>
+          <a:ext cx="0" cy="0"/>
+          <a:chOff x="0" y="0"/>
+          <a:chExt cx="0" cy="0"/>
+        </a:xfrm>
+      </p:grpSpPr>
+      <p:sp>
+        <p:nvSpPr>
+          <p:cNvPr id="5" name="Title 1"/>
+          <p:cNvSpPr txBox="1">
+            <a:spLocks/>
+          </p:cNvSpPr>
+          <p:nvPr/>
+        </p:nvSpPr>
+        <p:spPr>
+          <a:xfrm>
+            <a:off x="0" y="6498955"/>
+            <a:ext cx="12192000" cy="359045"/>
+          </a:xfrm>
+          <a:prstGeom prst="rect">
+            <a:avLst/>
+          </a:prstGeom>
+        </p:spPr>
+        <p:txBody>
+          <a:bodyPr vert="horz" lIns="91440" tIns="45720" rIns="91440" bIns="45720" rtlCol="0" anchor="ctr">
+            <a:normAutofit/>
+          </a:bodyPr>
+          <a:lstStyle>
+            <a:lvl1pPr algn="l" defTabSz="914400" rtl="0" eaLnBrk="1" latinLnBrk="0" hangingPunct="1">
+              <a:lnSpc>
+                <a:spcPct val="90000"/>
+              </a:lnSpc>
+              <a:spcBef>
+                <a:spcPct val="0"/>
+              </a:spcBef>
+              <a:buNone/>
+              <a:defRPr sz="4400" kern="1200">
+                <a:solidFill>
+                  <a:schemeClr val="tx1"/>
+                </a:solidFill>
+                <a:latin typeface="+mj-lt"/>
+                <a:ea typeface="+mj-ea"/>
+                <a:cs typeface="+mj-cs"/>
+              </a:defRPr>
+            </a:lvl1pPr>
+          </a:lstStyle>
+          <a:p>
+            <a:pPr algn="r"/>
+            <a:r>
+              <a:rPr lang="en-US" sz="1200" dirty="0" smtClean="0">
+                <a:solidFill>
+                  <a:schemeClr val="bg1">
+                    <a:lumMod val="50000"/>
+                  </a:schemeClr>
+                </a:solidFill>
+              </a:rPr>
+              <a:t>©️</a:t>
+            </a:r>
+            <a:r>
+              <a:rPr lang="en-US" sz="1200" dirty="0" err="1" smtClean="0">
+                <a:solidFill>
+                  <a:schemeClr val="bg1">
+                    <a:lumMod val="50000"/>
+                  </a:schemeClr>
+                </a:solidFill>
+              </a:rPr>
+              <a:t>Naimul</a:t>
+            </a:r>
+            <a:r>
+              <a:rPr lang="en-US" sz="1200" dirty="0" smtClean="0">
+                <a:solidFill>
+                  <a:schemeClr val="bg1">
+                    <a:lumMod val="50000"/>
+                  </a:schemeClr>
+                </a:solidFill>
+              </a:rPr>
+              <a:t> Islam </a:t>
+            </a:r>
+            <a:r>
+              <a:rPr lang="en-US" sz="1200" dirty="0" err="1" smtClean="0">
+                <a:solidFill>
+                  <a:schemeClr val="bg1">
+                    <a:lumMod val="50000"/>
+                  </a:schemeClr>
+                </a:solidFill>
+              </a:rPr>
+              <a:t>Mehedi</a:t>
+            </a:r>
+            <a:r>
+              <a:rPr lang="en-US" sz="1200" dirty="0" smtClean="0">
+                <a:solidFill>
+                  <a:schemeClr val="bg1">
+                    <a:lumMod val="50000"/>
+                  </a:schemeClr>
+                </a:solidFill>
+              </a:rPr>
+              <a:t> </a:t>
+            </a:r>
+            <a:endParaRPr lang="en-US" sz="1200" dirty="0">
+              <a:solidFill>
+                <a:schemeClr val="bg1">
+                  <a:lumMod val="50000"/>
+                </a:schemeClr>
+              </a:solidFill>
+            </a:endParaRPr>
+          </a:p>
+        </p:txBody>
+      </p:sp>
+      <p:pic>
+        <p:nvPicPr>
+          <p:cNvPr id="3" name="Picture 2"/>
+          <p:cNvPicPr>
+            <a:picLocks noChangeAspect="1"/>
+          </p:cNvPicPr>
+          <p:nvPr/>
+        </p:nvPicPr>
+        <p:blipFill>
+          <a:blip r:embed="rId2"/>
+          <a:stretch>
+            <a:fillRect/>
+          </a:stretch>
+        </p:blipFill>
+        <p:spPr>
+          <a:xfrm>
+            <a:off x="2011885" y="265569"/>
+            <a:ext cx="8168229" cy="6233386"/>
+          </a:xfrm>
+          <a:prstGeom prst="rect">
+            <a:avLst/>
+          </a:prstGeom>
+        </p:spPr>
+      </p:pic>
+    </p:spTree>
+    <p:extLst>
+      <p:ext uri="{BB962C8B-B14F-4D97-AF65-F5344CB8AC3E}">
+        <p14:creationId xmlns:p14="http://schemas.microsoft.com/office/powerpoint/2010/main" val="3535935044"/>
+      </p:ext>
+    </p:extLst>
+  </p:cSld>
+  <p:clrMapOvr>
+    <a:masterClrMapping/>
+  </p:clrMapOvr>
+  <mc:AlternateContent xmlns:mc="http://schemas.openxmlformats.org/markup-compatibility/2006" xmlns:p14="http://schemas.microsoft.com/office/powerpoint/2010/main">
+    <mc:Choice Requires="p14">
+      <p:transition spd="med" p14:dur="700">
+        <p:fade/>
+      </p:transition>
+    </mc:Choice>
+    <mc:Fallback xmlns="">
+      <p:transition spd="med">
+        <p:fade/>
+      </p:transition>
+    </mc:Fallback>
+  </mc:AlternateContent>
+  <p:timing>
+    <p:tnLst>
+      <p:par>
+        <p:cTn id="1" dur="indefinite" restart="never" nodeType="tmRoot"/>
+      </p:par>
+    </p:tnLst>
+  </p:timing>
+</p:sld>
+</file>
+
+<file path=ppt/slides/slide11.xml><?xml version="1.0" encoding="utf-8"?>
+<p:sld xmlns:a="http://schemas.openxmlformats.org/drawingml/2006/main" xmlns:r="http://schemas.openxmlformats.org/officeDocument/2006/relationships" xmlns:p="http://schemas.openxmlformats.org/presentationml/2006/main">
+  <p:cSld>
+    <p:spTree>
+      <p:nvGrpSpPr>
+        <p:cNvPr id="1" name=""/>
+        <p:cNvGrpSpPr/>
+        <p:nvPr/>
+      </p:nvGrpSpPr>
+      <p:grpSpPr>
+        <a:xfrm>
+          <a:off x="0" y="0"/>
+          <a:ext cx="0" cy="0"/>
+          <a:chOff x="0" y="0"/>
+          <a:chExt cx="0" cy="0"/>
+        </a:xfrm>
+      </p:grpSpPr>
+      <p:sp>
+        <p:nvSpPr>
+          <p:cNvPr id="5" name="Title 1"/>
+          <p:cNvSpPr txBox="1">
+            <a:spLocks/>
+          </p:cNvSpPr>
+          <p:nvPr/>
+        </p:nvSpPr>
+        <p:spPr>
+          <a:xfrm>
+            <a:off x="0" y="6498955"/>
+            <a:ext cx="12192000" cy="359045"/>
+          </a:xfrm>
+          <a:prstGeom prst="rect">
+            <a:avLst/>
+          </a:prstGeom>
+        </p:spPr>
+        <p:txBody>
+          <a:bodyPr vert="horz" lIns="91440" tIns="45720" rIns="91440" bIns="45720" rtlCol="0" anchor="ctr">
+            <a:normAutofit/>
+          </a:bodyPr>
+          <a:lstStyle>
+            <a:lvl1pPr algn="l" defTabSz="914400" rtl="0" eaLnBrk="1" latinLnBrk="0" hangingPunct="1">
+              <a:lnSpc>
+                <a:spcPct val="90000"/>
+              </a:lnSpc>
+              <a:spcBef>
+                <a:spcPct val="0"/>
+              </a:spcBef>
+              <a:buNone/>
+              <a:defRPr sz="4400" kern="1200">
+                <a:solidFill>
+                  <a:schemeClr val="tx1"/>
+                </a:solidFill>
+                <a:latin typeface="+mj-lt"/>
+                <a:ea typeface="+mj-ea"/>
+                <a:cs typeface="+mj-cs"/>
+              </a:defRPr>
+            </a:lvl1pPr>
+          </a:lstStyle>
+          <a:p>
+            <a:pPr algn="r"/>
+            <a:r>
+              <a:rPr lang="en-US" sz="1200" dirty="0" smtClean="0">
+                <a:solidFill>
+                  <a:schemeClr val="bg1">
+                    <a:lumMod val="50000"/>
+                  </a:schemeClr>
+                </a:solidFill>
+              </a:rPr>
+              <a:t>©️</a:t>
+            </a:r>
+            <a:r>
+              <a:rPr lang="en-US" sz="1200" dirty="0" err="1" smtClean="0">
+                <a:solidFill>
+                  <a:schemeClr val="bg1">
+                    <a:lumMod val="50000"/>
+                  </a:schemeClr>
+                </a:solidFill>
+              </a:rPr>
+              <a:t>Naimul</a:t>
+            </a:r>
+            <a:r>
+              <a:rPr lang="en-US" sz="1200" dirty="0" smtClean="0">
+                <a:solidFill>
+                  <a:schemeClr val="bg1">
+                    <a:lumMod val="50000"/>
+                  </a:schemeClr>
+                </a:solidFill>
+              </a:rPr>
+              <a:t> Islam </a:t>
+            </a:r>
+            <a:r>
+              <a:rPr lang="en-US" sz="1200" dirty="0" err="1" smtClean="0">
+                <a:solidFill>
+                  <a:schemeClr val="bg1">
+                    <a:lumMod val="50000"/>
+                  </a:schemeClr>
+                </a:solidFill>
+              </a:rPr>
+              <a:t>Mehedi</a:t>
+            </a:r>
+            <a:r>
+              <a:rPr lang="en-US" sz="1200" dirty="0" smtClean="0">
+                <a:solidFill>
+                  <a:schemeClr val="bg1">
+                    <a:lumMod val="50000"/>
+                  </a:schemeClr>
+                </a:solidFill>
+              </a:rPr>
+              <a:t> </a:t>
+            </a:r>
+            <a:endParaRPr lang="en-US" sz="1200" dirty="0">
+              <a:solidFill>
+                <a:schemeClr val="bg1">
+                  <a:lumMod val="50000"/>
+                </a:schemeClr>
+              </a:solidFill>
+            </a:endParaRPr>
+          </a:p>
+        </p:txBody>
+      </p:sp>
+      <p:pic>
+        <p:nvPicPr>
+          <p:cNvPr id="2" name="Picture 1"/>
+          <p:cNvPicPr>
+            <a:picLocks noChangeAspect="1"/>
+          </p:cNvPicPr>
+          <p:nvPr/>
+        </p:nvPicPr>
+        <p:blipFill>
+          <a:blip r:embed="rId2"/>
+          <a:stretch>
+            <a:fillRect/>
+          </a:stretch>
+        </p:blipFill>
+        <p:spPr>
+          <a:xfrm>
+            <a:off x="2260345" y="554159"/>
+            <a:ext cx="7671310" cy="5562555"/>
+          </a:xfrm>
+          <a:prstGeom prst="rect">
+            <a:avLst/>
+          </a:prstGeom>
+        </p:spPr>
+      </p:pic>
+    </p:spTree>
+    <p:extLst>
+      <p:ext uri="{BB962C8B-B14F-4D97-AF65-F5344CB8AC3E}">
+        <p14:creationId xmlns:p14="http://schemas.microsoft.com/office/powerpoint/2010/main" val="3875050548"/>
+      </p:ext>
+    </p:extLst>
+  </p:cSld>
+  <p:clrMapOvr>
+    <a:masterClrMapping/>
+  </p:clrMapOvr>
+  <mc:AlternateContent xmlns:mc="http://schemas.openxmlformats.org/markup-compatibility/2006" xmlns:p14="http://schemas.microsoft.com/office/powerpoint/2010/main">
+    <mc:Choice Requires="p14">
+      <p:transition spd="med" p14:dur="700">
+        <p:fade/>
+      </p:transition>
+    </mc:Choice>
+    <mc:Fallback xmlns="">
+      <p:transition spd="med">
+        <p:fade/>
+      </p:transition>
+    </mc:Fallback>
+  </mc:AlternateContent>
+  <p:timing>
+    <p:tnLst>
+      <p:par>
+        <p:cTn id="1" dur="indefinite" restart="never" nodeType="tmRoot"/>
+      </p:par>
+    </p:tnLst>
+  </p:timing>
+</p:sld>
+</file>
+
+<file path=ppt/slides/slide12.xml><?xml version="1.0" encoding="utf-8"?>
+<p:sld xmlns:a="http://schemas.openxmlformats.org/drawingml/2006/main" xmlns:r="http://schemas.openxmlformats.org/officeDocument/2006/relationships" xmlns:p="http://schemas.openxmlformats.org/presentationml/2006/main">
+  <p:cSld>
+    <p:spTree>
+      <p:nvGrpSpPr>
+        <p:cNvPr id="1" name=""/>
+        <p:cNvGrpSpPr/>
+        <p:nvPr/>
+      </p:nvGrpSpPr>
+      <p:grpSpPr>
+        <a:xfrm>
+          <a:off x="0" y="0"/>
+          <a:ext cx="0" cy="0"/>
+          <a:chOff x="0" y="0"/>
+          <a:chExt cx="0" cy="0"/>
+        </a:xfrm>
+      </p:grpSpPr>
+      <p:sp>
+        <p:nvSpPr>
+          <p:cNvPr id="5" name="Title 1"/>
+          <p:cNvSpPr txBox="1">
+            <a:spLocks/>
+          </p:cNvSpPr>
+          <p:nvPr/>
+        </p:nvSpPr>
+        <p:spPr>
+          <a:xfrm>
+            <a:off x="0" y="6498955"/>
+            <a:ext cx="12192000" cy="359045"/>
+          </a:xfrm>
+          <a:prstGeom prst="rect">
+            <a:avLst/>
+          </a:prstGeom>
+        </p:spPr>
+        <p:txBody>
+          <a:bodyPr vert="horz" lIns="91440" tIns="45720" rIns="91440" bIns="45720" rtlCol="0" anchor="ctr">
+            <a:normAutofit/>
+          </a:bodyPr>
+          <a:lstStyle>
+            <a:lvl1pPr algn="l" defTabSz="914400" rtl="0" eaLnBrk="1" latinLnBrk="0" hangingPunct="1">
+              <a:lnSpc>
+                <a:spcPct val="90000"/>
+              </a:lnSpc>
+              <a:spcBef>
+                <a:spcPct val="0"/>
+              </a:spcBef>
+              <a:buNone/>
+              <a:defRPr sz="4400" kern="1200">
+                <a:solidFill>
+                  <a:schemeClr val="tx1"/>
+                </a:solidFill>
+                <a:latin typeface="+mj-lt"/>
+                <a:ea typeface="+mj-ea"/>
+                <a:cs typeface="+mj-cs"/>
+              </a:defRPr>
+            </a:lvl1pPr>
+          </a:lstStyle>
+          <a:p>
+            <a:pPr algn="r"/>
+            <a:r>
+              <a:rPr lang="en-US" sz="1200" dirty="0" smtClean="0">
+                <a:solidFill>
+                  <a:schemeClr val="bg1">
+                    <a:lumMod val="50000"/>
+                  </a:schemeClr>
+                </a:solidFill>
+              </a:rPr>
+              <a:t>©️</a:t>
+            </a:r>
+            <a:r>
+              <a:rPr lang="en-US" sz="1200" dirty="0" err="1" smtClean="0">
+                <a:solidFill>
+                  <a:schemeClr val="bg1">
+                    <a:lumMod val="50000"/>
+                  </a:schemeClr>
+                </a:solidFill>
+              </a:rPr>
+              <a:t>Naimul</a:t>
+            </a:r>
+            <a:r>
+              <a:rPr lang="en-US" sz="1200" dirty="0" smtClean="0">
+                <a:solidFill>
+                  <a:schemeClr val="bg1">
+                    <a:lumMod val="50000"/>
+                  </a:schemeClr>
+                </a:solidFill>
+              </a:rPr>
+              <a:t> Islam </a:t>
+            </a:r>
+            <a:r>
+              <a:rPr lang="en-US" sz="1200" dirty="0" err="1" smtClean="0">
+                <a:solidFill>
+                  <a:schemeClr val="bg1">
+                    <a:lumMod val="50000"/>
+                  </a:schemeClr>
+                </a:solidFill>
+              </a:rPr>
+              <a:t>Mehedi</a:t>
+            </a:r>
+            <a:r>
+              <a:rPr lang="en-US" sz="1200" dirty="0" smtClean="0">
+                <a:solidFill>
+                  <a:schemeClr val="bg1">
+                    <a:lumMod val="50000"/>
+                  </a:schemeClr>
+                </a:solidFill>
+              </a:rPr>
+              <a:t> </a:t>
+            </a:r>
+            <a:endParaRPr lang="en-US" sz="1200" dirty="0">
+              <a:solidFill>
+                <a:schemeClr val="bg1">
+                  <a:lumMod val="50000"/>
+                </a:schemeClr>
+              </a:solidFill>
+            </a:endParaRPr>
+          </a:p>
+        </p:txBody>
+      </p:sp>
+      <p:pic>
+        <p:nvPicPr>
+          <p:cNvPr id="3" name="Picture 2"/>
+          <p:cNvPicPr>
+            <a:picLocks noChangeAspect="1"/>
+          </p:cNvPicPr>
+          <p:nvPr/>
+        </p:nvPicPr>
+        <p:blipFill>
+          <a:blip r:embed="rId2"/>
+          <a:stretch>
+            <a:fillRect/>
+          </a:stretch>
+        </p:blipFill>
+        <p:spPr>
+          <a:xfrm>
+            <a:off x="1861008" y="124288"/>
+            <a:ext cx="8469984" cy="6103832"/>
+          </a:xfrm>
+          <a:prstGeom prst="rect">
+            <a:avLst/>
+          </a:prstGeom>
+        </p:spPr>
+      </p:pic>
+    </p:spTree>
+    <p:extLst>
+      <p:ext uri="{BB962C8B-B14F-4D97-AF65-F5344CB8AC3E}">
+        <p14:creationId xmlns:p14="http://schemas.microsoft.com/office/powerpoint/2010/main" val="2410983944"/>
+      </p:ext>
+    </p:extLst>
+  </p:cSld>
+  <p:clrMapOvr>
+    <a:masterClrMapping/>
+  </p:clrMapOvr>
+  <mc:AlternateContent xmlns:mc="http://schemas.openxmlformats.org/markup-compatibility/2006" xmlns:p14="http://schemas.microsoft.com/office/powerpoint/2010/main">
+    <mc:Choice Requires="p14">
+      <p:transition spd="med" p14:dur="700">
+        <p:fade/>
+      </p:transition>
+    </mc:Choice>
+    <mc:Fallback xmlns="">
+      <p:transition spd="med">
+        <p:fade/>
+      </p:transition>
+    </mc:Fallback>
+  </mc:AlternateContent>
+  <p:timing>
+    <p:tnLst>
+      <p:par>
+        <p:cTn id="1" dur="indefinite" restart="never" nodeType="tmRoot"/>
+      </p:par>
+    </p:tnLst>
+  </p:timing>
+</p:sld>
+</file>
+
+<file path=ppt/slides/slide13.xml><?xml version="1.0" encoding="utf-8"?>
+<p:sld xmlns:a="http://schemas.openxmlformats.org/drawingml/2006/main" xmlns:r="http://schemas.openxmlformats.org/officeDocument/2006/relationships" xmlns:p="http://schemas.openxmlformats.org/presentationml/2006/main">
+  <p:cSld>
+    <p:spTree>
+      <p:nvGrpSpPr>
+        <p:cNvPr id="1" name=""/>
+        <p:cNvGrpSpPr/>
+        <p:nvPr/>
+      </p:nvGrpSpPr>
+      <p:grpSpPr>
+        <a:xfrm>
+          <a:off x="0" y="0"/>
+          <a:ext cx="0" cy="0"/>
+          <a:chOff x="0" y="0"/>
+          <a:chExt cx="0" cy="0"/>
+        </a:xfrm>
+      </p:grpSpPr>
+      <p:sp>
+        <p:nvSpPr>
+          <p:cNvPr id="2" name="Title 1"/>
+          <p:cNvSpPr>
+            <a:spLocks noGrp="1"/>
+          </p:cNvSpPr>
+          <p:nvPr>
+            <p:ph type="title"/>
+          </p:nvPr>
+        </p:nvSpPr>
+        <p:spPr/>
+        <p:txBody>
+          <a:bodyPr anchor="ctr">
+            <a:normAutofit/>
+          </a:bodyPr>
+          <a:lstStyle/>
+          <a:p>
+            <a:r>
+              <a:rPr lang="en-US" b="1" dirty="0">
+                <a:effectLst>
+                  <a:outerShdw blurRad="38100" dist="38100" dir="2700000" algn="tl">
+                    <a:srgbClr val="000000">
+                      <a:alpha val="43137"/>
+                    </a:srgbClr>
+                  </a:outerShdw>
+                </a:effectLst>
+              </a:rPr>
+              <a:t>Types of Cyberattacks</a:t>
+            </a:r>
+            <a:endParaRPr lang="en-US" b="1" dirty="0"/>
+          </a:p>
+        </p:txBody>
+      </p:sp>
+      <p:sp>
+        <p:nvSpPr>
+          <p:cNvPr id="3" name="Text Placeholder 2"/>
+          <p:cNvSpPr>
+            <a:spLocks noGrp="1"/>
+          </p:cNvSpPr>
+          <p:nvPr>
+            <p:ph type="body" idx="1"/>
+          </p:nvPr>
+        </p:nvSpPr>
+        <p:spPr/>
+        <p:txBody>
+          <a:bodyPr/>
+          <a:lstStyle/>
+          <a:p>
+            <a:endParaRPr lang="en-US"/>
+          </a:p>
+        </p:txBody>
+      </p:sp>
+    </p:spTree>
+    <p:extLst>
+      <p:ext uri="{BB962C8B-B14F-4D97-AF65-F5344CB8AC3E}">
+        <p14:creationId xmlns:p14="http://schemas.microsoft.com/office/powerpoint/2010/main" val="2483495395"/>
+      </p:ext>
+    </p:extLst>
+  </p:cSld>
+  <p:clrMapOvr>
+    <a:masterClrMapping/>
+  </p:clrMapOvr>
+  <p:timing>
+    <p:tnLst>
+      <p:par>
+        <p:cTn id="1" dur="indefinite" restart="never" nodeType="tmRoot"/>
+      </p:par>
+    </p:tnLst>
+  </p:timing>
+</p:sld>
+</file>
+
+<file path=ppt/slides/slide14.xml><?xml version="1.0" encoding="utf-8"?>
+<p:sld xmlns:a="http://schemas.openxmlformats.org/drawingml/2006/main" xmlns:r="http://schemas.openxmlformats.org/officeDocument/2006/relationships" xmlns:p="http://schemas.openxmlformats.org/presentationml/2006/main">
+  <p:cSld>
+    <p:spTree>
+      <p:nvGrpSpPr>
+        <p:cNvPr id="1" name=""/>
+        <p:cNvGrpSpPr/>
+        <p:nvPr/>
+      </p:nvGrpSpPr>
+      <p:grpSpPr>
+        <a:xfrm>
+          <a:off x="0" y="0"/>
+          <a:ext cx="0" cy="0"/>
+          <a:chOff x="0" y="0"/>
+          <a:chExt cx="0" cy="0"/>
+        </a:xfrm>
+      </p:grpSpPr>
+      <p:sp>
+        <p:nvSpPr>
+          <p:cNvPr id="5" name="Title 1"/>
+          <p:cNvSpPr txBox="1">
+            <a:spLocks/>
+          </p:cNvSpPr>
+          <p:nvPr/>
+        </p:nvSpPr>
+        <p:spPr>
+          <a:xfrm>
+            <a:off x="0" y="6498955"/>
+            <a:ext cx="12192000" cy="359045"/>
+          </a:xfrm>
+          <a:prstGeom prst="rect">
+            <a:avLst/>
+          </a:prstGeom>
+        </p:spPr>
+        <p:txBody>
+          <a:bodyPr vert="horz" lIns="91440" tIns="45720" rIns="91440" bIns="45720" rtlCol="0" anchor="ctr">
+            <a:normAutofit/>
+          </a:bodyPr>
+          <a:lstStyle>
+            <a:lvl1pPr algn="l" defTabSz="914400" rtl="0" eaLnBrk="1" latinLnBrk="0" hangingPunct="1">
+              <a:lnSpc>
+                <a:spcPct val="90000"/>
+              </a:lnSpc>
+              <a:spcBef>
+                <a:spcPct val="0"/>
+              </a:spcBef>
+              <a:buNone/>
+              <a:defRPr sz="4400" kern="1200">
+                <a:solidFill>
+                  <a:schemeClr val="tx1"/>
+                </a:solidFill>
+                <a:latin typeface="+mj-lt"/>
+                <a:ea typeface="+mj-ea"/>
+                <a:cs typeface="+mj-cs"/>
+              </a:defRPr>
+            </a:lvl1pPr>
+          </a:lstStyle>
+          <a:p>
+            <a:pPr algn="r"/>
+            <a:r>
+              <a:rPr lang="en-US" sz="1200" dirty="0" smtClean="0">
+                <a:solidFill>
+                  <a:schemeClr val="bg1">
+                    <a:lumMod val="50000"/>
+                  </a:schemeClr>
+                </a:solidFill>
+              </a:rPr>
+              <a:t>©️</a:t>
+            </a:r>
+            <a:r>
+              <a:rPr lang="en-US" sz="1200" dirty="0" err="1" smtClean="0">
+                <a:solidFill>
+                  <a:schemeClr val="bg1">
+                    <a:lumMod val="50000"/>
+                  </a:schemeClr>
+                </a:solidFill>
+              </a:rPr>
+              <a:t>Naimul</a:t>
+            </a:r>
+            <a:r>
+              <a:rPr lang="en-US" sz="1200" dirty="0" smtClean="0">
+                <a:solidFill>
+                  <a:schemeClr val="bg1">
+                    <a:lumMod val="50000"/>
+                  </a:schemeClr>
+                </a:solidFill>
+              </a:rPr>
+              <a:t> Islam </a:t>
+            </a:r>
+            <a:r>
+              <a:rPr lang="en-US" sz="1200" dirty="0" err="1" smtClean="0">
+                <a:solidFill>
+                  <a:schemeClr val="bg1">
+                    <a:lumMod val="50000"/>
+                  </a:schemeClr>
+                </a:solidFill>
+              </a:rPr>
+              <a:t>Mehedi</a:t>
+            </a:r>
+            <a:r>
+              <a:rPr lang="en-US" sz="1200" dirty="0" smtClean="0">
+                <a:solidFill>
+                  <a:schemeClr val="bg1">
+                    <a:lumMod val="50000"/>
+                  </a:schemeClr>
+                </a:solidFill>
+              </a:rPr>
+              <a:t> </a:t>
+            </a:r>
+            <a:endParaRPr lang="en-US" sz="1200" dirty="0">
+              <a:solidFill>
+                <a:schemeClr val="bg1">
+                  <a:lumMod val="50000"/>
+                </a:schemeClr>
+              </a:solidFill>
+            </a:endParaRPr>
+          </a:p>
+        </p:txBody>
+      </p:sp>
+      <p:pic>
+        <p:nvPicPr>
+          <p:cNvPr id="4" name="Picture 3"/>
+          <p:cNvPicPr>
+            <a:picLocks noChangeAspect="1"/>
+          </p:cNvPicPr>
+          <p:nvPr/>
+        </p:nvPicPr>
+        <p:blipFill>
+          <a:blip r:embed="rId2"/>
+          <a:stretch>
+            <a:fillRect/>
+          </a:stretch>
+        </p:blipFill>
+        <p:spPr>
+          <a:xfrm>
+            <a:off x="2686059" y="168986"/>
+            <a:ext cx="6819881" cy="6329969"/>
+          </a:xfrm>
+          <a:prstGeom prst="rect">
+            <a:avLst/>
+          </a:prstGeom>
+        </p:spPr>
+      </p:pic>
+    </p:spTree>
+    <p:extLst>
+      <p:ext uri="{BB962C8B-B14F-4D97-AF65-F5344CB8AC3E}">
+        <p14:creationId xmlns:p14="http://schemas.microsoft.com/office/powerpoint/2010/main" val="379528579"/>
+      </p:ext>
+    </p:extLst>
+  </p:cSld>
+  <p:clrMapOvr>
+    <a:masterClrMapping/>
+  </p:clrMapOvr>
+  <mc:AlternateContent xmlns:mc="http://schemas.openxmlformats.org/markup-compatibility/2006" xmlns:p14="http://schemas.microsoft.com/office/powerpoint/2010/main">
+    <mc:Choice Requires="p14">
+      <p:transition spd="med" p14:dur="700">
+        <p:fade/>
+      </p:transition>
+    </mc:Choice>
+    <mc:Fallback xmlns="">
+      <p:transition spd="med">
+        <p:fade/>
+      </p:transition>
+    </mc:Fallback>
+  </mc:AlternateContent>
+  <p:timing>
+    <p:tnLst>
+      <p:par>
+        <p:cTn id="1" dur="indefinite" restart="never" nodeType="tmRoot"/>
+      </p:par>
+    </p:tnLst>
+  </p:timing>
+</p:sld>
+</file>
+
+<file path=ppt/slides/slide15.xml><?xml version="1.0" encoding="utf-8"?>
+<p:sld xmlns:a="http://schemas.openxmlformats.org/drawingml/2006/main" xmlns:r="http://schemas.openxmlformats.org/officeDocument/2006/relationships" xmlns:p="http://schemas.openxmlformats.org/presentationml/2006/main">
+  <p:cSld>
+    <p:spTree>
+      <p:nvGrpSpPr>
+        <p:cNvPr id="1" name=""/>
+        <p:cNvGrpSpPr/>
+        <p:nvPr/>
+      </p:nvGrpSpPr>
+      <p:grpSpPr>
+        <a:xfrm>
+          <a:off x="0" y="0"/>
+          <a:ext cx="0" cy="0"/>
+          <a:chOff x="0" y="0"/>
+          <a:chExt cx="0" cy="0"/>
+        </a:xfrm>
+      </p:grpSpPr>
+      <p:sp>
+        <p:nvSpPr>
+          <p:cNvPr id="5" name="Title 1"/>
+          <p:cNvSpPr txBox="1">
+            <a:spLocks/>
+          </p:cNvSpPr>
+          <p:nvPr/>
+        </p:nvSpPr>
+        <p:spPr>
+          <a:xfrm>
+            <a:off x="0" y="6498955"/>
+            <a:ext cx="12192000" cy="359045"/>
+          </a:xfrm>
+          <a:prstGeom prst="rect">
+            <a:avLst/>
+          </a:prstGeom>
+        </p:spPr>
+        <p:txBody>
+          <a:bodyPr vert="horz" lIns="91440" tIns="45720" rIns="91440" bIns="45720" rtlCol="0" anchor="ctr">
+            <a:normAutofit/>
+          </a:bodyPr>
+          <a:lstStyle>
+            <a:lvl1pPr algn="l" defTabSz="914400" rtl="0" eaLnBrk="1" latinLnBrk="0" hangingPunct="1">
+              <a:lnSpc>
+                <a:spcPct val="90000"/>
+              </a:lnSpc>
+              <a:spcBef>
+                <a:spcPct val="0"/>
+              </a:spcBef>
+              <a:buNone/>
+              <a:defRPr sz="4400" kern="1200">
+                <a:solidFill>
+                  <a:schemeClr val="tx1"/>
+                </a:solidFill>
+                <a:latin typeface="+mj-lt"/>
+                <a:ea typeface="+mj-ea"/>
+                <a:cs typeface="+mj-cs"/>
+              </a:defRPr>
+            </a:lvl1pPr>
+          </a:lstStyle>
+          <a:p>
+            <a:pPr algn="r"/>
+            <a:r>
+              <a:rPr lang="en-US" sz="1200" dirty="0" smtClean="0">
+                <a:solidFill>
+                  <a:schemeClr val="bg1">
+                    <a:lumMod val="50000"/>
+                  </a:schemeClr>
+                </a:solidFill>
+              </a:rPr>
+              <a:t>©️</a:t>
+            </a:r>
+            <a:r>
+              <a:rPr lang="en-US" sz="1200" dirty="0" err="1" smtClean="0">
+                <a:solidFill>
+                  <a:schemeClr val="bg1">
+                    <a:lumMod val="50000"/>
+                  </a:schemeClr>
+                </a:solidFill>
+              </a:rPr>
+              <a:t>Naimul</a:t>
+            </a:r>
+            <a:r>
+              <a:rPr lang="en-US" sz="1200" dirty="0" smtClean="0">
+                <a:solidFill>
+                  <a:schemeClr val="bg1">
+                    <a:lumMod val="50000"/>
+                  </a:schemeClr>
+                </a:solidFill>
+              </a:rPr>
+              <a:t> Islam </a:t>
+            </a:r>
+            <a:r>
+              <a:rPr lang="en-US" sz="1200" dirty="0" err="1" smtClean="0">
+                <a:solidFill>
+                  <a:schemeClr val="bg1">
+                    <a:lumMod val="50000"/>
+                  </a:schemeClr>
+                </a:solidFill>
+              </a:rPr>
+              <a:t>Mehedi</a:t>
+            </a:r>
+            <a:r>
+              <a:rPr lang="en-US" sz="1200" dirty="0" smtClean="0">
+                <a:solidFill>
+                  <a:schemeClr val="bg1">
+                    <a:lumMod val="50000"/>
+                  </a:schemeClr>
+                </a:solidFill>
+              </a:rPr>
+              <a:t> </a:t>
+            </a:r>
+            <a:endParaRPr lang="en-US" sz="1200" dirty="0">
+              <a:solidFill>
+                <a:schemeClr val="bg1">
+                  <a:lumMod val="50000"/>
+                </a:schemeClr>
+              </a:solidFill>
+            </a:endParaRPr>
+          </a:p>
+        </p:txBody>
+      </p:sp>
+      <p:sp>
+        <p:nvSpPr>
+          <p:cNvPr id="7" name="Title 1"/>
+          <p:cNvSpPr txBox="1">
+            <a:spLocks/>
+          </p:cNvSpPr>
+          <p:nvPr/>
+        </p:nvSpPr>
+        <p:spPr>
+          <a:xfrm>
+            <a:off x="1127464" y="985421"/>
+            <a:ext cx="9880846" cy="5513534"/>
+          </a:xfrm>
+          <a:prstGeom prst="rect">
+            <a:avLst/>
+          </a:prstGeom>
+        </p:spPr>
+        <p:txBody>
+          <a:bodyPr vert="horz" lIns="91440" tIns="45720" rIns="91440" bIns="45720" rtlCol="0" anchor="t">
+            <a:normAutofit/>
+          </a:bodyPr>
+          <a:lstStyle>
+            <a:lvl1pPr algn="l" defTabSz="914400" rtl="0" eaLnBrk="1" latinLnBrk="0" hangingPunct="1">
+              <a:lnSpc>
+                <a:spcPct val="90000"/>
+              </a:lnSpc>
+              <a:spcBef>
+                <a:spcPct val="0"/>
+              </a:spcBef>
+              <a:buNone/>
+              <a:defRPr sz="4400" kern="1200">
+                <a:solidFill>
+                  <a:schemeClr val="tx1"/>
+                </a:solidFill>
+                <a:latin typeface="+mj-lt"/>
+                <a:ea typeface="+mj-ea"/>
+                <a:cs typeface="+mj-cs"/>
+              </a:defRPr>
+            </a:lvl1pPr>
+          </a:lstStyle>
+          <a:p>
+            <a:r>
+              <a:rPr lang="en-US" sz="2400" b="1" dirty="0">
+                <a:solidFill>
+                  <a:schemeClr val="bg1">
+                    <a:lumMod val="50000"/>
+                  </a:schemeClr>
+                </a:solidFill>
+              </a:rPr>
+              <a:t>Prevention Measures:</a:t>
+            </a:r>
+          </a:p>
+          <a:p>
+            <a:pPr marL="285750" indent="-285750">
+              <a:buFont typeface="Arial" panose="020B0604020202020204" pitchFamily="34" charset="0"/>
+              <a:buChar char="•"/>
+            </a:pPr>
+            <a:r>
+              <a:rPr lang="en-US" sz="1800" b="1" dirty="0">
+                <a:solidFill>
+                  <a:schemeClr val="bg1">
+                    <a:lumMod val="50000"/>
+                  </a:schemeClr>
+                </a:solidFill>
+              </a:rPr>
+              <a:t>Use strong passwords + multi-factor authentication (MFA</a:t>
+            </a:r>
+            <a:r>
+              <a:rPr lang="en-US" sz="1800" b="1" dirty="0" smtClean="0">
+                <a:solidFill>
+                  <a:schemeClr val="bg1">
+                    <a:lumMod val="50000"/>
+                  </a:schemeClr>
+                </a:solidFill>
+              </a:rPr>
+              <a:t>).</a:t>
+            </a:r>
+            <a:endParaRPr lang="en-US" sz="1800" b="1" dirty="0">
+              <a:solidFill>
+                <a:schemeClr val="bg1">
+                  <a:lumMod val="50000"/>
+                </a:schemeClr>
+              </a:solidFill>
+            </a:endParaRPr>
+          </a:p>
+          <a:p>
+            <a:pPr marL="285750" indent="-285750">
+              <a:buFont typeface="Arial" panose="020B0604020202020204" pitchFamily="34" charset="0"/>
+              <a:buChar char="•"/>
+            </a:pPr>
+            <a:r>
+              <a:rPr lang="en-US" sz="1800" b="1" dirty="0">
+                <a:solidFill>
+                  <a:schemeClr val="bg1">
+                    <a:lumMod val="50000"/>
+                  </a:schemeClr>
+                </a:solidFill>
+              </a:rPr>
+              <a:t>Keep software updated (patches</a:t>
+            </a:r>
+            <a:r>
+              <a:rPr lang="en-US" sz="1800" b="1" dirty="0" smtClean="0">
+                <a:solidFill>
+                  <a:schemeClr val="bg1">
+                    <a:lumMod val="50000"/>
+                  </a:schemeClr>
+                </a:solidFill>
+              </a:rPr>
+              <a:t>).</a:t>
+            </a:r>
+            <a:endParaRPr lang="en-US" sz="1800" b="1" dirty="0">
+              <a:solidFill>
+                <a:schemeClr val="bg1">
+                  <a:lumMod val="50000"/>
+                </a:schemeClr>
+              </a:solidFill>
+            </a:endParaRPr>
+          </a:p>
+          <a:p>
+            <a:pPr marL="285750" indent="-285750">
+              <a:buFont typeface="Arial" panose="020B0604020202020204" pitchFamily="34" charset="0"/>
+              <a:buChar char="•"/>
+            </a:pPr>
+            <a:r>
+              <a:rPr lang="en-US" sz="1800" b="1" dirty="0">
+                <a:solidFill>
+                  <a:schemeClr val="bg1">
+                    <a:lumMod val="50000"/>
+                  </a:schemeClr>
+                </a:solidFill>
+              </a:rPr>
+              <a:t>Educate users on phishing/social engineering</a:t>
+            </a:r>
+            <a:r>
+              <a:rPr lang="en-US" sz="1800" b="1" dirty="0" smtClean="0">
+                <a:solidFill>
+                  <a:schemeClr val="bg1">
+                    <a:lumMod val="50000"/>
+                  </a:schemeClr>
+                </a:solidFill>
+              </a:rPr>
+              <a:t>.</a:t>
+            </a:r>
+            <a:endParaRPr lang="en-US" sz="1800" b="1" dirty="0">
+              <a:solidFill>
+                <a:schemeClr val="bg1">
+                  <a:lumMod val="50000"/>
+                </a:schemeClr>
+              </a:solidFill>
+            </a:endParaRPr>
+          </a:p>
+          <a:p>
+            <a:pPr marL="285750" indent="-285750">
+              <a:buFont typeface="Arial" panose="020B0604020202020204" pitchFamily="34" charset="0"/>
+              <a:buChar char="•"/>
+            </a:pPr>
+            <a:r>
+              <a:rPr lang="en-US" sz="1800" b="1" dirty="0">
+                <a:solidFill>
+                  <a:schemeClr val="bg1">
+                    <a:lumMod val="50000"/>
+                  </a:schemeClr>
+                </a:solidFill>
+              </a:rPr>
+              <a:t>Deploy firewalls, antivirus, and intrusion detection systems (IDS</a:t>
+            </a:r>
+            <a:r>
+              <a:rPr lang="en-US" sz="1800" b="1" dirty="0" smtClean="0">
+                <a:solidFill>
+                  <a:schemeClr val="bg1">
+                    <a:lumMod val="50000"/>
+                  </a:schemeClr>
+                </a:solidFill>
+              </a:rPr>
+              <a:t>).</a:t>
+            </a:r>
+            <a:endParaRPr lang="en-US" sz="1800" b="1" dirty="0">
+              <a:solidFill>
+                <a:schemeClr val="bg1">
+                  <a:lumMod val="50000"/>
+                </a:schemeClr>
+              </a:solidFill>
+            </a:endParaRPr>
+          </a:p>
+          <a:p>
+            <a:pPr marL="285750" indent="-285750">
+              <a:buFont typeface="Arial" panose="020B0604020202020204" pitchFamily="34" charset="0"/>
+              <a:buChar char="•"/>
+            </a:pPr>
+            <a:r>
+              <a:rPr lang="en-US" sz="1800" b="1" dirty="0">
+                <a:solidFill>
+                  <a:schemeClr val="bg1">
+                    <a:lumMod val="50000"/>
+                  </a:schemeClr>
+                </a:solidFill>
+              </a:rPr>
+              <a:t>Regular backups (to counter ransomware).</a:t>
+            </a:r>
+            <a:endParaRPr lang="en-US" sz="1800" b="1" i="1" dirty="0">
+              <a:solidFill>
+                <a:schemeClr val="bg1">
+                  <a:lumMod val="50000"/>
+                </a:schemeClr>
+              </a:solidFill>
+            </a:endParaRPr>
+          </a:p>
+        </p:txBody>
+      </p:sp>
+    </p:spTree>
+    <p:extLst>
+      <p:ext uri="{BB962C8B-B14F-4D97-AF65-F5344CB8AC3E}">
+        <p14:creationId xmlns:p14="http://schemas.microsoft.com/office/powerpoint/2010/main" val="664317837"/>
+      </p:ext>
+    </p:extLst>
+  </p:cSld>
+  <p:clrMapOvr>
+    <a:masterClrMapping/>
+  </p:clrMapOvr>
+  <mc:AlternateContent xmlns:mc="http://schemas.openxmlformats.org/markup-compatibility/2006" xmlns:p14="http://schemas.microsoft.com/office/powerpoint/2010/main">
+    <mc:Choice Requires="p14">
+      <p:transition spd="med" p14:dur="700">
+        <p:fade/>
+      </p:transition>
+    </mc:Choice>
+    <mc:Fallback xmlns="">
+      <p:transition spd="med">
+        <p:fade/>
+      </p:transition>
+    </mc:Fallback>
+  </mc:AlternateContent>
+  <p:timing>
+    <p:tnLst>
+      <p:par>
+        <p:cTn id="1" dur="indefinite" restart="never" nodeType="tmRoot"/>
+      </p:par>
+    </p:tnLst>
+  </p:timing>
+</p:sld>
+</file>
+
+<file path=ppt/slides/slide16.xml><?xml version="1.0" encoding="utf-8"?>
+<p:sld xmlns:a="http://schemas.openxmlformats.org/drawingml/2006/main" xmlns:r="http://schemas.openxmlformats.org/officeDocument/2006/relationships" xmlns:p="http://schemas.openxmlformats.org/presentationml/2006/main">
+  <p:cSld>
+    <p:spTree>
+      <p:nvGrpSpPr>
+        <p:cNvPr id="1" name=""/>
+        <p:cNvGrpSpPr/>
+        <p:nvPr/>
+      </p:nvGrpSpPr>
+      <p:grpSpPr>
+        <a:xfrm>
+          <a:off x="0" y="0"/>
+          <a:ext cx="0" cy="0"/>
+          <a:chOff x="0" y="0"/>
+          <a:chExt cx="0" cy="0"/>
+        </a:xfrm>
+      </p:grpSpPr>
+      <p:sp>
+        <p:nvSpPr>
+          <p:cNvPr id="2" name="Title 1"/>
+          <p:cNvSpPr>
+            <a:spLocks noGrp="1"/>
+          </p:cNvSpPr>
+          <p:nvPr>
+            <p:ph type="title"/>
+          </p:nvPr>
+        </p:nvSpPr>
+        <p:spPr/>
+        <p:txBody>
+          <a:bodyPr anchor="ctr">
+            <a:normAutofit/>
+          </a:bodyPr>
+          <a:lstStyle/>
+          <a:p>
+            <a:r>
+              <a:rPr lang="en-US" b="1" dirty="0">
+                <a:effectLst>
+                  <a:outerShdw blurRad="38100" dist="38100" dir="2700000" algn="tl">
+                    <a:srgbClr val="000000">
+                      <a:alpha val="43137"/>
+                    </a:srgbClr>
+                  </a:outerShdw>
+                </a:effectLst>
+              </a:rPr>
+              <a:t>Introduction to Ethical Hacking: Definition, scope, and importance.</a:t>
+            </a:r>
+            <a:endParaRPr lang="en-US" b="1" dirty="0"/>
+          </a:p>
+        </p:txBody>
+      </p:sp>
+      <p:sp>
+        <p:nvSpPr>
+          <p:cNvPr id="3" name="Text Placeholder 2"/>
+          <p:cNvSpPr>
+            <a:spLocks noGrp="1"/>
+          </p:cNvSpPr>
+          <p:nvPr>
+            <p:ph type="body" idx="1"/>
+          </p:nvPr>
+        </p:nvSpPr>
+        <p:spPr/>
+        <p:txBody>
+          <a:bodyPr/>
+          <a:lstStyle/>
+          <a:p>
+            <a:endParaRPr lang="en-US"/>
+          </a:p>
+        </p:txBody>
+      </p:sp>
+    </p:spTree>
+    <p:extLst>
+      <p:ext uri="{BB962C8B-B14F-4D97-AF65-F5344CB8AC3E}">
+        <p14:creationId xmlns:p14="http://schemas.microsoft.com/office/powerpoint/2010/main" val="725179922"/>
+      </p:ext>
+    </p:extLst>
+  </p:cSld>
+  <p:clrMapOvr>
+    <a:masterClrMapping/>
+  </p:clrMapOvr>
+  <p:timing>
+    <p:tnLst>
+      <p:par>
+        <p:cTn id="1" dur="indefinite" restart="never" nodeType="tmRoot"/>
+      </p:par>
+    </p:tnLst>
+  </p:timing>
+</p:sld>
+</file>
+
+<file path=ppt/slides/slide17.xml><?xml version="1.0" encoding="utf-8"?>
+<p:sld xmlns:a="http://schemas.openxmlformats.org/drawingml/2006/main" xmlns:r="http://schemas.openxmlformats.org/officeDocument/2006/relationships" xmlns:p="http://schemas.openxmlformats.org/presentationml/2006/main">
+  <p:cSld>
+    <p:spTree>
+      <p:nvGrpSpPr>
+        <p:cNvPr id="1" name=""/>
+        <p:cNvGrpSpPr/>
+        <p:nvPr/>
+      </p:nvGrpSpPr>
+      <p:grpSpPr>
+        <a:xfrm>
+          <a:off x="0" y="0"/>
+          <a:ext cx="0" cy="0"/>
+          <a:chOff x="0" y="0"/>
+          <a:chExt cx="0" cy="0"/>
+        </a:xfrm>
+      </p:grpSpPr>
+      <p:sp>
+        <p:nvSpPr>
+          <p:cNvPr id="5" name="Title 1"/>
+          <p:cNvSpPr txBox="1">
+            <a:spLocks/>
+          </p:cNvSpPr>
+          <p:nvPr/>
+        </p:nvSpPr>
+        <p:spPr>
+          <a:xfrm>
+            <a:off x="0" y="6498955"/>
+            <a:ext cx="12192000" cy="359045"/>
+          </a:xfrm>
+          <a:prstGeom prst="rect">
+            <a:avLst/>
+          </a:prstGeom>
+        </p:spPr>
+        <p:txBody>
+          <a:bodyPr vert="horz" lIns="91440" tIns="45720" rIns="91440" bIns="45720" rtlCol="0" anchor="ctr">
+            <a:normAutofit/>
+          </a:bodyPr>
+          <a:lstStyle>
+            <a:lvl1pPr algn="l" defTabSz="914400" rtl="0" eaLnBrk="1" latinLnBrk="0" hangingPunct="1">
+              <a:lnSpc>
+                <a:spcPct val="90000"/>
+              </a:lnSpc>
+              <a:spcBef>
+                <a:spcPct val="0"/>
+              </a:spcBef>
+              <a:buNone/>
+              <a:defRPr sz="4400" kern="1200">
+                <a:solidFill>
+                  <a:schemeClr val="tx1"/>
+                </a:solidFill>
+                <a:latin typeface="+mj-lt"/>
+                <a:ea typeface="+mj-ea"/>
+                <a:cs typeface="+mj-cs"/>
+              </a:defRPr>
+            </a:lvl1pPr>
+          </a:lstStyle>
+          <a:p>
+            <a:pPr algn="r"/>
+            <a:r>
+              <a:rPr lang="en-US" sz="1200" dirty="0" smtClean="0">
+                <a:solidFill>
+                  <a:schemeClr val="bg1">
+                    <a:lumMod val="50000"/>
+                  </a:schemeClr>
+                </a:solidFill>
+              </a:rPr>
+              <a:t>©️</a:t>
+            </a:r>
+            <a:r>
+              <a:rPr lang="en-US" sz="1200" dirty="0" err="1" smtClean="0">
+                <a:solidFill>
+                  <a:schemeClr val="bg1">
+                    <a:lumMod val="50000"/>
+                  </a:schemeClr>
+                </a:solidFill>
+              </a:rPr>
+              <a:t>Naimul</a:t>
+            </a:r>
+            <a:r>
+              <a:rPr lang="en-US" sz="1200" dirty="0" smtClean="0">
+                <a:solidFill>
+                  <a:schemeClr val="bg1">
+                    <a:lumMod val="50000"/>
+                  </a:schemeClr>
+                </a:solidFill>
+              </a:rPr>
+              <a:t> Islam </a:t>
+            </a:r>
+            <a:r>
+              <a:rPr lang="en-US" sz="1200" dirty="0" err="1" smtClean="0">
+                <a:solidFill>
+                  <a:schemeClr val="bg1">
+                    <a:lumMod val="50000"/>
+                  </a:schemeClr>
+                </a:solidFill>
+              </a:rPr>
+              <a:t>Mehedi</a:t>
+            </a:r>
+            <a:r>
+              <a:rPr lang="en-US" sz="1200" dirty="0" smtClean="0">
+                <a:solidFill>
+                  <a:schemeClr val="bg1">
+                    <a:lumMod val="50000"/>
+                  </a:schemeClr>
+                </a:solidFill>
+              </a:rPr>
+              <a:t> </a:t>
+            </a:r>
+            <a:endParaRPr lang="en-US" sz="1200" dirty="0">
+              <a:solidFill>
+                <a:schemeClr val="bg1">
+                  <a:lumMod val="50000"/>
+                </a:schemeClr>
+              </a:solidFill>
+            </a:endParaRPr>
+          </a:p>
+        </p:txBody>
+      </p:sp>
+      <p:sp>
+        <p:nvSpPr>
+          <p:cNvPr id="7" name="Title 1"/>
+          <p:cNvSpPr txBox="1">
+            <a:spLocks/>
+          </p:cNvSpPr>
+          <p:nvPr/>
+        </p:nvSpPr>
+        <p:spPr>
+          <a:xfrm>
+            <a:off x="1127464" y="4678883"/>
+            <a:ext cx="10360241" cy="1766804"/>
+          </a:xfrm>
+          <a:prstGeom prst="rect">
+            <a:avLst/>
+          </a:prstGeom>
+        </p:spPr>
+        <p:txBody>
+          <a:bodyPr vert="horz" lIns="91440" tIns="45720" rIns="91440" bIns="45720" rtlCol="0" anchor="t">
+            <a:normAutofit fontScale="92500" lnSpcReduction="10000"/>
+          </a:bodyPr>
+          <a:lstStyle>
+            <a:lvl1pPr algn="l" defTabSz="914400" rtl="0" eaLnBrk="1" latinLnBrk="0" hangingPunct="1">
+              <a:lnSpc>
+                <a:spcPct val="90000"/>
+              </a:lnSpc>
+              <a:spcBef>
+                <a:spcPct val="0"/>
+              </a:spcBef>
+              <a:buNone/>
+              <a:defRPr sz="4400" kern="1200">
+                <a:solidFill>
+                  <a:schemeClr val="tx1"/>
+                </a:solidFill>
+                <a:latin typeface="+mj-lt"/>
+                <a:ea typeface="+mj-ea"/>
+                <a:cs typeface="+mj-cs"/>
+              </a:defRPr>
+            </a:lvl1pPr>
+          </a:lstStyle>
+          <a:p>
+            <a:r>
+              <a:rPr lang="en-US" sz="1800" dirty="0">
+                <a:solidFill>
+                  <a:schemeClr val="bg1">
+                    <a:lumMod val="50000"/>
+                  </a:schemeClr>
+                </a:solidFill>
+              </a:rPr>
+              <a:t>Ethical hacking (also known as </a:t>
+            </a:r>
+            <a:r>
+              <a:rPr lang="en-US" sz="1800" b="1" dirty="0">
+                <a:solidFill>
+                  <a:schemeClr val="bg1">
+                    <a:lumMod val="50000"/>
+                  </a:schemeClr>
+                </a:solidFill>
+              </a:rPr>
+              <a:t>penetration testing </a:t>
+            </a:r>
+            <a:r>
+              <a:rPr lang="en-US" sz="1800" dirty="0">
+                <a:solidFill>
+                  <a:schemeClr val="bg1">
+                    <a:lumMod val="50000"/>
+                  </a:schemeClr>
+                </a:solidFill>
+              </a:rPr>
+              <a:t>or </a:t>
+            </a:r>
+            <a:r>
+              <a:rPr lang="en-US" sz="1800" b="1" dirty="0">
+                <a:solidFill>
+                  <a:schemeClr val="bg1">
+                    <a:lumMod val="50000"/>
+                  </a:schemeClr>
+                </a:solidFill>
+              </a:rPr>
+              <a:t>white-hat hacking</a:t>
+            </a:r>
+            <a:r>
+              <a:rPr lang="en-US" sz="1800" dirty="0">
+                <a:solidFill>
+                  <a:schemeClr val="bg1">
+                    <a:lumMod val="50000"/>
+                  </a:schemeClr>
+                </a:solidFill>
+              </a:rPr>
+              <a:t>) is the authorized practice of bypassing system security to identify potential vulnerabilities that malicious hackers (</a:t>
+            </a:r>
+            <a:r>
+              <a:rPr lang="en-US" sz="1800" b="1" dirty="0">
+                <a:solidFill>
+                  <a:schemeClr val="bg1">
+                    <a:lumMod val="50000"/>
+                  </a:schemeClr>
+                </a:solidFill>
+              </a:rPr>
+              <a:t>black-hat hackers</a:t>
+            </a:r>
+            <a:r>
+              <a:rPr lang="en-US" sz="1800" dirty="0">
+                <a:solidFill>
+                  <a:schemeClr val="bg1">
+                    <a:lumMod val="50000"/>
+                  </a:schemeClr>
+                </a:solidFill>
+              </a:rPr>
+              <a:t>) could exploit. Ethical hackers use the same techniques as cybercriminals but with permission to improve security rather than cause harm.</a:t>
+            </a:r>
+          </a:p>
+          <a:p>
+            <a:pPr marL="285750" indent="-285750">
+              <a:buFont typeface="Arial" panose="020B0604020202020204" pitchFamily="34" charset="0"/>
+              <a:buChar char="•"/>
+            </a:pPr>
+            <a:endParaRPr lang="en-US" sz="1800" dirty="0">
+              <a:solidFill>
+                <a:schemeClr val="bg1">
+                  <a:lumMod val="50000"/>
+                </a:schemeClr>
+              </a:solidFill>
+            </a:endParaRPr>
+          </a:p>
+          <a:p>
+            <a:r>
+              <a:rPr lang="en-US" sz="1800" b="1" dirty="0">
+                <a:solidFill>
+                  <a:schemeClr val="bg1">
+                    <a:lumMod val="50000"/>
+                  </a:schemeClr>
+                </a:solidFill>
+              </a:rPr>
+              <a:t>Key Characteristics of Ethical Hacking:</a:t>
+            </a:r>
+          </a:p>
+          <a:p>
+            <a:pPr marL="285750" indent="-285750">
+              <a:buFont typeface="Arial" panose="020B0604020202020204" pitchFamily="34" charset="0"/>
+              <a:buChar char="•"/>
+            </a:pPr>
+            <a:r>
+              <a:rPr lang="en-US" sz="1800" b="1" dirty="0">
+                <a:solidFill>
+                  <a:schemeClr val="bg1">
+                    <a:lumMod val="50000"/>
+                  </a:schemeClr>
+                </a:solidFill>
+              </a:rPr>
+              <a:t>Legal &amp; Authorized </a:t>
+            </a:r>
+            <a:r>
+              <a:rPr lang="en-US" sz="1800" dirty="0">
+                <a:solidFill>
+                  <a:schemeClr val="bg1">
+                    <a:lumMod val="50000"/>
+                  </a:schemeClr>
+                </a:solidFill>
+              </a:rPr>
+              <a:t>– Conducted with explicit permission</a:t>
+            </a:r>
+            <a:r>
+              <a:rPr lang="en-US" sz="1800" dirty="0" smtClean="0">
+                <a:solidFill>
+                  <a:schemeClr val="bg1">
+                    <a:lumMod val="50000"/>
+                  </a:schemeClr>
+                </a:solidFill>
+              </a:rPr>
+              <a:t>.</a:t>
+            </a:r>
+            <a:endParaRPr lang="en-US" sz="1800" dirty="0">
+              <a:solidFill>
+                <a:schemeClr val="bg1">
+                  <a:lumMod val="50000"/>
+                </a:schemeClr>
+              </a:solidFill>
+            </a:endParaRPr>
+          </a:p>
+          <a:p>
+            <a:pPr marL="285750" indent="-285750">
+              <a:buFont typeface="Arial" panose="020B0604020202020204" pitchFamily="34" charset="0"/>
+              <a:buChar char="•"/>
+            </a:pPr>
+            <a:r>
+              <a:rPr lang="en-US" sz="1800" b="1" dirty="0">
+                <a:solidFill>
+                  <a:schemeClr val="bg1">
+                    <a:lumMod val="50000"/>
+                  </a:schemeClr>
+                </a:solidFill>
+              </a:rPr>
+              <a:t>Goal-Oriented</a:t>
+            </a:r>
+            <a:r>
+              <a:rPr lang="en-US" sz="1800" dirty="0">
+                <a:solidFill>
+                  <a:schemeClr val="bg1">
+                    <a:lumMod val="50000"/>
+                  </a:schemeClr>
+                </a:solidFill>
+              </a:rPr>
+              <a:t> – Aims to strengthen security, not damage systems</a:t>
+            </a:r>
+            <a:r>
+              <a:rPr lang="en-US" sz="1800" dirty="0" smtClean="0">
+                <a:solidFill>
+                  <a:schemeClr val="bg1">
+                    <a:lumMod val="50000"/>
+                  </a:schemeClr>
+                </a:solidFill>
+              </a:rPr>
+              <a:t>.</a:t>
+            </a:r>
+            <a:endParaRPr lang="en-US" sz="1800" dirty="0">
+              <a:solidFill>
+                <a:schemeClr val="bg1">
+                  <a:lumMod val="50000"/>
+                </a:schemeClr>
+              </a:solidFill>
+            </a:endParaRPr>
+          </a:p>
+          <a:p>
+            <a:pPr marL="285750" indent="-285750">
+              <a:buFont typeface="Arial" panose="020B0604020202020204" pitchFamily="34" charset="0"/>
+              <a:buChar char="•"/>
+            </a:pPr>
+            <a:r>
+              <a:rPr lang="en-US" sz="1800" b="1" dirty="0">
+                <a:solidFill>
+                  <a:schemeClr val="bg1">
+                    <a:lumMod val="50000"/>
+                  </a:schemeClr>
+                </a:solidFill>
+              </a:rPr>
+              <a:t>Follows a Code of Ethics </a:t>
+            </a:r>
+            <a:r>
+              <a:rPr lang="en-US" sz="1800" dirty="0">
+                <a:solidFill>
+                  <a:schemeClr val="bg1">
+                    <a:lumMod val="50000"/>
+                  </a:schemeClr>
+                </a:solidFill>
+              </a:rPr>
+              <a:t>– Adheres to professional and legal standards.</a:t>
+            </a:r>
+            <a:endParaRPr lang="en-US" sz="1800" i="1" dirty="0">
+              <a:solidFill>
+                <a:schemeClr val="bg1">
+                  <a:lumMod val="50000"/>
+                </a:schemeClr>
+              </a:solidFill>
+            </a:endParaRPr>
+          </a:p>
+        </p:txBody>
+      </p:sp>
+      <p:pic>
+        <p:nvPicPr>
+          <p:cNvPr id="2" name="Picture 1"/>
+          <p:cNvPicPr>
+            <a:picLocks noChangeAspect="1"/>
+          </p:cNvPicPr>
+          <p:nvPr/>
+        </p:nvPicPr>
+        <p:blipFill>
+          <a:blip r:embed="rId2"/>
+          <a:stretch>
+            <a:fillRect/>
+          </a:stretch>
+        </p:blipFill>
+        <p:spPr>
+          <a:xfrm>
+            <a:off x="1280440" y="0"/>
+            <a:ext cx="9631119" cy="4610743"/>
+          </a:xfrm>
+          <a:prstGeom prst="rect">
+            <a:avLst/>
+          </a:prstGeom>
+        </p:spPr>
+      </p:pic>
+    </p:spTree>
+    <p:extLst>
+      <p:ext uri="{BB962C8B-B14F-4D97-AF65-F5344CB8AC3E}">
+        <p14:creationId xmlns:p14="http://schemas.microsoft.com/office/powerpoint/2010/main" val="885554567"/>
+      </p:ext>
+    </p:extLst>
+  </p:cSld>
+  <p:clrMapOvr>
+    <a:masterClrMapping/>
+  </p:clrMapOvr>
+  <mc:AlternateContent xmlns:mc="http://schemas.openxmlformats.org/markup-compatibility/2006" xmlns:p14="http://schemas.microsoft.com/office/powerpoint/2010/main">
+    <mc:Choice Requires="p14">
+      <p:transition spd="med" p14:dur="700">
+        <p:fade/>
+      </p:transition>
+    </mc:Choice>
+    <mc:Fallback xmlns="">
+      <p:transition spd="med">
+        <p:fade/>
+      </p:transition>
+    </mc:Fallback>
+  </mc:AlternateContent>
+  <p:timing>
+    <p:tnLst>
+      <p:par>
+        <p:cTn id="1" dur="indefinite" restart="never" nodeType="tmRoot"/>
+      </p:par>
+    </p:tnLst>
+  </p:timing>
+</p:sld>
+</file>
+
+<file path=ppt/slides/slide18.xml><?xml version="1.0" encoding="utf-8"?>
+<p:sld xmlns:a="http://schemas.openxmlformats.org/drawingml/2006/main" xmlns:r="http://schemas.openxmlformats.org/officeDocument/2006/relationships" xmlns:p="http://schemas.openxmlformats.org/presentationml/2006/main">
+  <p:cSld>
+    <p:spTree>
+      <p:nvGrpSpPr>
+        <p:cNvPr id="1" name=""/>
+        <p:cNvGrpSpPr/>
+        <p:nvPr/>
+      </p:nvGrpSpPr>
+      <p:grpSpPr>
+        <a:xfrm>
+          <a:off x="0" y="0"/>
+          <a:ext cx="0" cy="0"/>
+          <a:chOff x="0" y="0"/>
+          <a:chExt cx="0" cy="0"/>
+        </a:xfrm>
+      </p:grpSpPr>
+      <p:sp>
+        <p:nvSpPr>
+          <p:cNvPr id="5" name="Title 1"/>
+          <p:cNvSpPr txBox="1">
+            <a:spLocks/>
+          </p:cNvSpPr>
+          <p:nvPr/>
+        </p:nvSpPr>
+        <p:spPr>
+          <a:xfrm>
+            <a:off x="0" y="6498955"/>
+            <a:ext cx="12192000" cy="359045"/>
+          </a:xfrm>
+          <a:prstGeom prst="rect">
+            <a:avLst/>
+          </a:prstGeom>
+        </p:spPr>
+        <p:txBody>
+          <a:bodyPr vert="horz" lIns="91440" tIns="45720" rIns="91440" bIns="45720" rtlCol="0" anchor="ctr">
+            <a:normAutofit/>
+          </a:bodyPr>
+          <a:lstStyle>
+            <a:lvl1pPr algn="l" defTabSz="914400" rtl="0" eaLnBrk="1" latinLnBrk="0" hangingPunct="1">
+              <a:lnSpc>
+                <a:spcPct val="90000"/>
+              </a:lnSpc>
+              <a:spcBef>
+                <a:spcPct val="0"/>
+              </a:spcBef>
+              <a:buNone/>
+              <a:defRPr sz="4400" kern="1200">
+                <a:solidFill>
+                  <a:schemeClr val="tx1"/>
+                </a:solidFill>
+                <a:latin typeface="+mj-lt"/>
+                <a:ea typeface="+mj-ea"/>
+                <a:cs typeface="+mj-cs"/>
+              </a:defRPr>
+            </a:lvl1pPr>
+          </a:lstStyle>
+          <a:p>
+            <a:pPr algn="r"/>
+            <a:r>
+              <a:rPr lang="en-US" sz="1200" dirty="0" smtClean="0">
+                <a:solidFill>
+                  <a:schemeClr val="bg1">
+                    <a:lumMod val="50000"/>
+                  </a:schemeClr>
+                </a:solidFill>
+              </a:rPr>
+              <a:t>©️</a:t>
+            </a:r>
+            <a:r>
+              <a:rPr lang="en-US" sz="1200" dirty="0" err="1" smtClean="0">
+                <a:solidFill>
+                  <a:schemeClr val="bg1">
+                    <a:lumMod val="50000"/>
+                  </a:schemeClr>
+                </a:solidFill>
+              </a:rPr>
+              <a:t>Naimul</a:t>
+            </a:r>
+            <a:r>
+              <a:rPr lang="en-US" sz="1200" dirty="0" smtClean="0">
+                <a:solidFill>
+                  <a:schemeClr val="bg1">
+                    <a:lumMod val="50000"/>
+                  </a:schemeClr>
+                </a:solidFill>
+              </a:rPr>
+              <a:t> Islam </a:t>
+            </a:r>
+            <a:r>
+              <a:rPr lang="en-US" sz="1200" dirty="0" err="1" smtClean="0">
+                <a:solidFill>
+                  <a:schemeClr val="bg1">
+                    <a:lumMod val="50000"/>
+                  </a:schemeClr>
+                </a:solidFill>
+              </a:rPr>
+              <a:t>Mehedi</a:t>
+            </a:r>
+            <a:r>
+              <a:rPr lang="en-US" sz="1200" dirty="0" smtClean="0">
+                <a:solidFill>
+                  <a:schemeClr val="bg1">
+                    <a:lumMod val="50000"/>
+                  </a:schemeClr>
+                </a:solidFill>
+              </a:rPr>
+              <a:t> </a:t>
+            </a:r>
+            <a:endParaRPr lang="en-US" sz="1200" dirty="0">
+              <a:solidFill>
+                <a:schemeClr val="bg1">
+                  <a:lumMod val="50000"/>
+                </a:schemeClr>
+              </a:solidFill>
+            </a:endParaRPr>
+          </a:p>
+        </p:txBody>
+      </p:sp>
+      <p:pic>
+        <p:nvPicPr>
+          <p:cNvPr id="3" name="Picture 2"/>
+          <p:cNvPicPr>
+            <a:picLocks noChangeAspect="1"/>
+          </p:cNvPicPr>
+          <p:nvPr/>
+        </p:nvPicPr>
+        <p:blipFill>
+          <a:blip r:embed="rId2"/>
+          <a:stretch>
+            <a:fillRect/>
+          </a:stretch>
+        </p:blipFill>
+        <p:spPr>
+          <a:xfrm>
+            <a:off x="1747230" y="609206"/>
+            <a:ext cx="8697539" cy="5639587"/>
+          </a:xfrm>
+          <a:prstGeom prst="rect">
+            <a:avLst/>
+          </a:prstGeom>
+        </p:spPr>
+      </p:pic>
+    </p:spTree>
+    <p:extLst>
+      <p:ext uri="{BB962C8B-B14F-4D97-AF65-F5344CB8AC3E}">
+        <p14:creationId xmlns:p14="http://schemas.microsoft.com/office/powerpoint/2010/main" val="3444252075"/>
+      </p:ext>
+    </p:extLst>
+  </p:cSld>
+  <p:clrMapOvr>
+    <a:masterClrMapping/>
+  </p:clrMapOvr>
+  <mc:AlternateContent xmlns:mc="http://schemas.openxmlformats.org/markup-compatibility/2006" xmlns:p14="http://schemas.microsoft.com/office/powerpoint/2010/main">
+    <mc:Choice Requires="p14">
+      <p:transition spd="med" p14:dur="700">
+        <p:fade/>
+      </p:transition>
+    </mc:Choice>
+    <mc:Fallback xmlns="">
+      <p:transition spd="med">
+        <p:fade/>
+      </p:transition>
+    </mc:Fallback>
+  </mc:AlternateContent>
+  <p:timing>
+    <p:tnLst>
+      <p:par>
+        <p:cTn id="1" dur="indefinite" restart="never" nodeType="tmRoot"/>
+      </p:par>
+    </p:tnLst>
+  </p:timing>
+</p:sld>
+</file>
+
+<file path=ppt/slides/slide19.xml><?xml version="1.0" encoding="utf-8"?>
+<p:sld xmlns:a="http://schemas.openxmlformats.org/drawingml/2006/main" xmlns:r="http://schemas.openxmlformats.org/officeDocument/2006/relationships" xmlns:p="http://schemas.openxmlformats.org/presentationml/2006/main">
+  <p:cSld>
+    <p:spTree>
+      <p:nvGrpSpPr>
+        <p:cNvPr id="1" name=""/>
+        <p:cNvGrpSpPr/>
+        <p:nvPr/>
+      </p:nvGrpSpPr>
+      <p:grpSpPr>
+        <a:xfrm>
+          <a:off x="0" y="0"/>
+          <a:ext cx="0" cy="0"/>
+          <a:chOff x="0" y="0"/>
+          <a:chExt cx="0" cy="0"/>
+        </a:xfrm>
+      </p:grpSpPr>
+      <p:sp>
+        <p:nvSpPr>
+          <p:cNvPr id="5" name="Title 1"/>
+          <p:cNvSpPr txBox="1">
+            <a:spLocks/>
+          </p:cNvSpPr>
+          <p:nvPr/>
+        </p:nvSpPr>
+        <p:spPr>
+          <a:xfrm>
+            <a:off x="0" y="6498955"/>
+            <a:ext cx="12192000" cy="359045"/>
+          </a:xfrm>
+          <a:prstGeom prst="rect">
+            <a:avLst/>
+          </a:prstGeom>
+        </p:spPr>
+        <p:txBody>
+          <a:bodyPr vert="horz" lIns="91440" tIns="45720" rIns="91440" bIns="45720" rtlCol="0" anchor="ctr">
+            <a:normAutofit/>
+          </a:bodyPr>
+          <a:lstStyle>
+            <a:lvl1pPr algn="l" defTabSz="914400" rtl="0" eaLnBrk="1" latinLnBrk="0" hangingPunct="1">
+              <a:lnSpc>
+                <a:spcPct val="90000"/>
+              </a:lnSpc>
+              <a:spcBef>
+                <a:spcPct val="0"/>
+              </a:spcBef>
+              <a:buNone/>
+              <a:defRPr sz="4400" kern="1200">
+                <a:solidFill>
+                  <a:schemeClr val="tx1"/>
+                </a:solidFill>
+                <a:latin typeface="+mj-lt"/>
+                <a:ea typeface="+mj-ea"/>
+                <a:cs typeface="+mj-cs"/>
+              </a:defRPr>
+            </a:lvl1pPr>
+          </a:lstStyle>
+          <a:p>
+            <a:pPr algn="r"/>
+            <a:r>
+              <a:rPr lang="en-US" sz="1200" dirty="0" smtClean="0">
+                <a:solidFill>
+                  <a:schemeClr val="bg1">
+                    <a:lumMod val="50000"/>
+                  </a:schemeClr>
+                </a:solidFill>
+              </a:rPr>
+              <a:t>©️</a:t>
+            </a:r>
+            <a:r>
+              <a:rPr lang="en-US" sz="1200" dirty="0" err="1" smtClean="0">
+                <a:solidFill>
+                  <a:schemeClr val="bg1">
+                    <a:lumMod val="50000"/>
+                  </a:schemeClr>
+                </a:solidFill>
+              </a:rPr>
+              <a:t>Naimul</a:t>
+            </a:r>
+            <a:r>
+              <a:rPr lang="en-US" sz="1200" dirty="0" smtClean="0">
+                <a:solidFill>
+                  <a:schemeClr val="bg1">
+                    <a:lumMod val="50000"/>
+                  </a:schemeClr>
+                </a:solidFill>
+              </a:rPr>
+              <a:t> Islam </a:t>
+            </a:r>
+            <a:r>
+              <a:rPr lang="en-US" sz="1200" dirty="0" err="1" smtClean="0">
+                <a:solidFill>
+                  <a:schemeClr val="bg1">
+                    <a:lumMod val="50000"/>
+                  </a:schemeClr>
+                </a:solidFill>
+              </a:rPr>
+              <a:t>Mehedi</a:t>
+            </a:r>
+            <a:r>
+              <a:rPr lang="en-US" sz="1200" dirty="0" smtClean="0">
+                <a:solidFill>
+                  <a:schemeClr val="bg1">
+                    <a:lumMod val="50000"/>
+                  </a:schemeClr>
+                </a:solidFill>
+              </a:rPr>
+              <a:t> </a:t>
+            </a:r>
+            <a:endParaRPr lang="en-US" sz="1200" dirty="0">
+              <a:solidFill>
+                <a:schemeClr val="bg1">
+                  <a:lumMod val="50000"/>
+                </a:schemeClr>
+              </a:solidFill>
+            </a:endParaRPr>
+          </a:p>
+        </p:txBody>
+      </p:sp>
+      <p:pic>
+        <p:nvPicPr>
+          <p:cNvPr id="2" name="Picture 1"/>
+          <p:cNvPicPr>
+            <a:picLocks noChangeAspect="1"/>
+          </p:cNvPicPr>
+          <p:nvPr/>
+        </p:nvPicPr>
+        <p:blipFill>
+          <a:blip r:embed="rId2"/>
+          <a:stretch>
+            <a:fillRect/>
+          </a:stretch>
+        </p:blipFill>
+        <p:spPr>
+          <a:xfrm>
+            <a:off x="1692698" y="97656"/>
+            <a:ext cx="8806604" cy="6267400"/>
+          </a:xfrm>
+          <a:prstGeom prst="rect">
+            <a:avLst/>
+          </a:prstGeom>
+        </p:spPr>
+      </p:pic>
+    </p:spTree>
+    <p:extLst>
+      <p:ext uri="{BB962C8B-B14F-4D97-AF65-F5344CB8AC3E}">
+        <p14:creationId xmlns:p14="http://schemas.microsoft.com/office/powerpoint/2010/main" val="603307505"/>
+      </p:ext>
+    </p:extLst>
+  </p:cSld>
+  <p:clrMapOvr>
+    <a:masterClrMapping/>
+  </p:clrMapOvr>
+  <mc:AlternateContent xmlns:mc="http://schemas.openxmlformats.org/markup-compatibility/2006" xmlns:p14="http://schemas.microsoft.com/office/powerpoint/2010/main">
+    <mc:Choice Requires="p14">
+      <p:transition spd="med" p14:dur="700">
+        <p:fade/>
+      </p:transition>
+    </mc:Choice>
+    <mc:Fallback xmlns="">
       <p:transition spd="med">
         <p:fade/>
       </p:transition>
@@ -3340,6 +5365,586 @@
   <p:clrMapOvr>
     <a:masterClrMapping/>
   </p:clrMapOvr>
+  <p:timing>
+    <p:tnLst>
+      <p:par>
+        <p:cTn id="1" dur="indefinite" restart="never" nodeType="tmRoot"/>
+      </p:par>
+    </p:tnLst>
+  </p:timing>
+</p:sld>
+</file>
+
+<file path=ppt/slides/slide20.xml><?xml version="1.0" encoding="utf-8"?>
+<p:sld xmlns:a="http://schemas.openxmlformats.org/drawingml/2006/main" xmlns:r="http://schemas.openxmlformats.org/officeDocument/2006/relationships" xmlns:p="http://schemas.openxmlformats.org/presentationml/2006/main">
+  <p:cSld>
+    <p:spTree>
+      <p:nvGrpSpPr>
+        <p:cNvPr id="1" name=""/>
+        <p:cNvGrpSpPr/>
+        <p:nvPr/>
+      </p:nvGrpSpPr>
+      <p:grpSpPr>
+        <a:xfrm>
+          <a:off x="0" y="0"/>
+          <a:ext cx="0" cy="0"/>
+          <a:chOff x="0" y="0"/>
+          <a:chExt cx="0" cy="0"/>
+        </a:xfrm>
+      </p:grpSpPr>
+      <p:sp>
+        <p:nvSpPr>
+          <p:cNvPr id="2" name="Title 1"/>
+          <p:cNvSpPr>
+            <a:spLocks noGrp="1"/>
+          </p:cNvSpPr>
+          <p:nvPr>
+            <p:ph type="title"/>
+          </p:nvPr>
+        </p:nvSpPr>
+        <p:spPr/>
+        <p:txBody>
+          <a:bodyPr anchor="ctr">
+            <a:normAutofit/>
+          </a:bodyPr>
+          <a:lstStyle/>
+          <a:p>
+            <a:r>
+              <a:rPr lang="en-US" b="1" dirty="0">
+                <a:effectLst>
+                  <a:outerShdw blurRad="38100" dist="38100" dir="2700000" algn="tl">
+                    <a:srgbClr val="000000">
+                      <a:alpha val="43137"/>
+                    </a:srgbClr>
+                  </a:outerShdw>
+                </a:effectLst>
+              </a:rPr>
+              <a:t>Legal and Ethical Considerations in Cybersecurity.</a:t>
+            </a:r>
+            <a:endParaRPr lang="en-US" b="1" dirty="0"/>
+          </a:p>
+        </p:txBody>
+      </p:sp>
+      <p:sp>
+        <p:nvSpPr>
+          <p:cNvPr id="3" name="Text Placeholder 2"/>
+          <p:cNvSpPr>
+            <a:spLocks noGrp="1"/>
+          </p:cNvSpPr>
+          <p:nvPr>
+            <p:ph type="body" idx="1"/>
+          </p:nvPr>
+        </p:nvSpPr>
+        <p:spPr/>
+        <p:txBody>
+          <a:bodyPr/>
+          <a:lstStyle/>
+          <a:p>
+            <a:endParaRPr lang="en-US"/>
+          </a:p>
+        </p:txBody>
+      </p:sp>
+    </p:spTree>
+    <p:extLst>
+      <p:ext uri="{BB962C8B-B14F-4D97-AF65-F5344CB8AC3E}">
+        <p14:creationId xmlns:p14="http://schemas.microsoft.com/office/powerpoint/2010/main" val="3123381901"/>
+      </p:ext>
+    </p:extLst>
+  </p:cSld>
+  <p:clrMapOvr>
+    <a:masterClrMapping/>
+  </p:clrMapOvr>
+  <p:timing>
+    <p:tnLst>
+      <p:par>
+        <p:cTn id="1" dur="indefinite" restart="never" nodeType="tmRoot"/>
+      </p:par>
+    </p:tnLst>
+  </p:timing>
+</p:sld>
+</file>
+
+<file path=ppt/slides/slide21.xml><?xml version="1.0" encoding="utf-8"?>
+<p:sld xmlns:a="http://schemas.openxmlformats.org/drawingml/2006/main" xmlns:r="http://schemas.openxmlformats.org/officeDocument/2006/relationships" xmlns:p="http://schemas.openxmlformats.org/presentationml/2006/main">
+  <p:cSld>
+    <p:spTree>
+      <p:nvGrpSpPr>
+        <p:cNvPr id="1" name=""/>
+        <p:cNvGrpSpPr/>
+        <p:nvPr/>
+      </p:nvGrpSpPr>
+      <p:grpSpPr>
+        <a:xfrm>
+          <a:off x="0" y="0"/>
+          <a:ext cx="0" cy="0"/>
+          <a:chOff x="0" y="0"/>
+          <a:chExt cx="0" cy="0"/>
+        </a:xfrm>
+      </p:grpSpPr>
+      <p:sp>
+        <p:nvSpPr>
+          <p:cNvPr id="5" name="Title 1"/>
+          <p:cNvSpPr txBox="1">
+            <a:spLocks/>
+          </p:cNvSpPr>
+          <p:nvPr/>
+        </p:nvSpPr>
+        <p:spPr>
+          <a:xfrm>
+            <a:off x="0" y="6498955"/>
+            <a:ext cx="12192000" cy="359045"/>
+          </a:xfrm>
+          <a:prstGeom prst="rect">
+            <a:avLst/>
+          </a:prstGeom>
+        </p:spPr>
+        <p:txBody>
+          <a:bodyPr vert="horz" lIns="91440" tIns="45720" rIns="91440" bIns="45720" rtlCol="0" anchor="ctr">
+            <a:normAutofit/>
+          </a:bodyPr>
+          <a:lstStyle>
+            <a:lvl1pPr algn="l" defTabSz="914400" rtl="0" eaLnBrk="1" latinLnBrk="0" hangingPunct="1">
+              <a:lnSpc>
+                <a:spcPct val="90000"/>
+              </a:lnSpc>
+              <a:spcBef>
+                <a:spcPct val="0"/>
+              </a:spcBef>
+              <a:buNone/>
+              <a:defRPr sz="4400" kern="1200">
+                <a:solidFill>
+                  <a:schemeClr val="tx1"/>
+                </a:solidFill>
+                <a:latin typeface="+mj-lt"/>
+                <a:ea typeface="+mj-ea"/>
+                <a:cs typeface="+mj-cs"/>
+              </a:defRPr>
+            </a:lvl1pPr>
+          </a:lstStyle>
+          <a:p>
+            <a:pPr algn="r"/>
+            <a:r>
+              <a:rPr lang="en-US" sz="1200" dirty="0" smtClean="0">
+                <a:solidFill>
+                  <a:schemeClr val="bg1">
+                    <a:lumMod val="50000"/>
+                  </a:schemeClr>
+                </a:solidFill>
+              </a:rPr>
+              <a:t>©️</a:t>
+            </a:r>
+            <a:r>
+              <a:rPr lang="en-US" sz="1200" dirty="0" err="1" smtClean="0">
+                <a:solidFill>
+                  <a:schemeClr val="bg1">
+                    <a:lumMod val="50000"/>
+                  </a:schemeClr>
+                </a:solidFill>
+              </a:rPr>
+              <a:t>Naimul</a:t>
+            </a:r>
+            <a:r>
+              <a:rPr lang="en-US" sz="1200" dirty="0" smtClean="0">
+                <a:solidFill>
+                  <a:schemeClr val="bg1">
+                    <a:lumMod val="50000"/>
+                  </a:schemeClr>
+                </a:solidFill>
+              </a:rPr>
+              <a:t> Islam </a:t>
+            </a:r>
+            <a:r>
+              <a:rPr lang="en-US" sz="1200" dirty="0" err="1" smtClean="0">
+                <a:solidFill>
+                  <a:schemeClr val="bg1">
+                    <a:lumMod val="50000"/>
+                  </a:schemeClr>
+                </a:solidFill>
+              </a:rPr>
+              <a:t>Mehedi</a:t>
+            </a:r>
+            <a:r>
+              <a:rPr lang="en-US" sz="1200" dirty="0" smtClean="0">
+                <a:solidFill>
+                  <a:schemeClr val="bg1">
+                    <a:lumMod val="50000"/>
+                  </a:schemeClr>
+                </a:solidFill>
+              </a:rPr>
+              <a:t> </a:t>
+            </a:r>
+            <a:endParaRPr lang="en-US" sz="1200" dirty="0">
+              <a:solidFill>
+                <a:schemeClr val="bg1">
+                  <a:lumMod val="50000"/>
+                </a:schemeClr>
+              </a:solidFill>
+            </a:endParaRPr>
+          </a:p>
+        </p:txBody>
+      </p:sp>
+      <p:pic>
+        <p:nvPicPr>
+          <p:cNvPr id="2" name="Picture 1"/>
+          <p:cNvPicPr>
+            <a:picLocks noChangeAspect="1"/>
+          </p:cNvPicPr>
+          <p:nvPr/>
+        </p:nvPicPr>
+        <p:blipFill>
+          <a:blip r:embed="rId2"/>
+          <a:stretch>
+            <a:fillRect/>
+          </a:stretch>
+        </p:blipFill>
+        <p:spPr>
+          <a:xfrm>
+            <a:off x="1692698" y="97656"/>
+            <a:ext cx="8806604" cy="6267400"/>
+          </a:xfrm>
+          <a:prstGeom prst="rect">
+            <a:avLst/>
+          </a:prstGeom>
+        </p:spPr>
+      </p:pic>
+    </p:spTree>
+    <p:extLst>
+      <p:ext uri="{BB962C8B-B14F-4D97-AF65-F5344CB8AC3E}">
+        <p14:creationId xmlns:p14="http://schemas.microsoft.com/office/powerpoint/2010/main" val="1678088163"/>
+      </p:ext>
+    </p:extLst>
+  </p:cSld>
+  <p:clrMapOvr>
+    <a:masterClrMapping/>
+  </p:clrMapOvr>
+  <mc:AlternateContent xmlns:mc="http://schemas.openxmlformats.org/markup-compatibility/2006" xmlns:p14="http://schemas.microsoft.com/office/powerpoint/2010/main">
+    <mc:Choice Requires="p14">
+      <p:transition spd="med" p14:dur="700">
+        <p:fade/>
+      </p:transition>
+    </mc:Choice>
+    <mc:Fallback xmlns="">
+      <p:transition spd="med">
+        <p:fade/>
+      </p:transition>
+    </mc:Fallback>
+  </mc:AlternateContent>
+  <p:timing>
+    <p:tnLst>
+      <p:par>
+        <p:cTn id="1" dur="indefinite" restart="never" nodeType="tmRoot"/>
+      </p:par>
+    </p:tnLst>
+  </p:timing>
+</p:sld>
+</file>
+
+<file path=ppt/slides/slide22.xml><?xml version="1.0" encoding="utf-8"?>
+<p:sld xmlns:a="http://schemas.openxmlformats.org/drawingml/2006/main" xmlns:r="http://schemas.openxmlformats.org/officeDocument/2006/relationships" xmlns:p="http://schemas.openxmlformats.org/presentationml/2006/main">
+  <p:cSld>
+    <p:spTree>
+      <p:nvGrpSpPr>
+        <p:cNvPr id="1" name=""/>
+        <p:cNvGrpSpPr/>
+        <p:nvPr/>
+      </p:nvGrpSpPr>
+      <p:grpSpPr>
+        <a:xfrm>
+          <a:off x="0" y="0"/>
+          <a:ext cx="0" cy="0"/>
+          <a:chOff x="0" y="0"/>
+          <a:chExt cx="0" cy="0"/>
+        </a:xfrm>
+      </p:grpSpPr>
+      <p:sp>
+        <p:nvSpPr>
+          <p:cNvPr id="5" name="Title 1"/>
+          <p:cNvSpPr txBox="1">
+            <a:spLocks/>
+          </p:cNvSpPr>
+          <p:nvPr/>
+        </p:nvSpPr>
+        <p:spPr>
+          <a:xfrm>
+            <a:off x="0" y="6498955"/>
+            <a:ext cx="12192000" cy="359045"/>
+          </a:xfrm>
+          <a:prstGeom prst="rect">
+            <a:avLst/>
+          </a:prstGeom>
+        </p:spPr>
+        <p:txBody>
+          <a:bodyPr vert="horz" lIns="91440" tIns="45720" rIns="91440" bIns="45720" rtlCol="0" anchor="ctr">
+            <a:normAutofit/>
+          </a:bodyPr>
+          <a:lstStyle>
+            <a:lvl1pPr algn="l" defTabSz="914400" rtl="0" eaLnBrk="1" latinLnBrk="0" hangingPunct="1">
+              <a:lnSpc>
+                <a:spcPct val="90000"/>
+              </a:lnSpc>
+              <a:spcBef>
+                <a:spcPct val="0"/>
+              </a:spcBef>
+              <a:buNone/>
+              <a:defRPr sz="4400" kern="1200">
+                <a:solidFill>
+                  <a:schemeClr val="tx1"/>
+                </a:solidFill>
+                <a:latin typeface="+mj-lt"/>
+                <a:ea typeface="+mj-ea"/>
+                <a:cs typeface="+mj-cs"/>
+              </a:defRPr>
+            </a:lvl1pPr>
+          </a:lstStyle>
+          <a:p>
+            <a:pPr algn="r"/>
+            <a:r>
+              <a:rPr lang="en-US" sz="1200" dirty="0" smtClean="0">
+                <a:solidFill>
+                  <a:schemeClr val="bg1">
+                    <a:lumMod val="50000"/>
+                  </a:schemeClr>
+                </a:solidFill>
+              </a:rPr>
+              <a:t>©️</a:t>
+            </a:r>
+            <a:r>
+              <a:rPr lang="en-US" sz="1200" dirty="0" err="1" smtClean="0">
+                <a:solidFill>
+                  <a:schemeClr val="bg1">
+                    <a:lumMod val="50000"/>
+                  </a:schemeClr>
+                </a:solidFill>
+              </a:rPr>
+              <a:t>Naimul</a:t>
+            </a:r>
+            <a:r>
+              <a:rPr lang="en-US" sz="1200" dirty="0" smtClean="0">
+                <a:solidFill>
+                  <a:schemeClr val="bg1">
+                    <a:lumMod val="50000"/>
+                  </a:schemeClr>
+                </a:solidFill>
+              </a:rPr>
+              <a:t> Islam </a:t>
+            </a:r>
+            <a:r>
+              <a:rPr lang="en-US" sz="1200" dirty="0" err="1" smtClean="0">
+                <a:solidFill>
+                  <a:schemeClr val="bg1">
+                    <a:lumMod val="50000"/>
+                  </a:schemeClr>
+                </a:solidFill>
+              </a:rPr>
+              <a:t>Mehedi</a:t>
+            </a:r>
+            <a:r>
+              <a:rPr lang="en-US" sz="1200" dirty="0" smtClean="0">
+                <a:solidFill>
+                  <a:schemeClr val="bg1">
+                    <a:lumMod val="50000"/>
+                  </a:schemeClr>
+                </a:solidFill>
+              </a:rPr>
+              <a:t> </a:t>
+            </a:r>
+            <a:endParaRPr lang="en-US" sz="1200" dirty="0">
+              <a:solidFill>
+                <a:schemeClr val="bg1">
+                  <a:lumMod val="50000"/>
+                </a:schemeClr>
+              </a:solidFill>
+            </a:endParaRPr>
+          </a:p>
+        </p:txBody>
+      </p:sp>
+      <p:sp>
+        <p:nvSpPr>
+          <p:cNvPr id="7" name="Title 1"/>
+          <p:cNvSpPr txBox="1">
+            <a:spLocks/>
+          </p:cNvSpPr>
+          <p:nvPr/>
+        </p:nvSpPr>
+        <p:spPr>
+          <a:xfrm>
+            <a:off x="1127464" y="4678883"/>
+            <a:ext cx="10360241" cy="1766804"/>
+          </a:xfrm>
+          <a:prstGeom prst="rect">
+            <a:avLst/>
+          </a:prstGeom>
+        </p:spPr>
+        <p:txBody>
+          <a:bodyPr vert="horz" lIns="91440" tIns="45720" rIns="91440" bIns="45720" rtlCol="0" anchor="t">
+            <a:normAutofit/>
+          </a:bodyPr>
+          <a:lstStyle>
+            <a:lvl1pPr algn="l" defTabSz="914400" rtl="0" eaLnBrk="1" latinLnBrk="0" hangingPunct="1">
+              <a:lnSpc>
+                <a:spcPct val="90000"/>
+              </a:lnSpc>
+              <a:spcBef>
+                <a:spcPct val="0"/>
+              </a:spcBef>
+              <a:buNone/>
+              <a:defRPr sz="4400" kern="1200">
+                <a:solidFill>
+                  <a:schemeClr val="tx1"/>
+                </a:solidFill>
+                <a:latin typeface="+mj-lt"/>
+                <a:ea typeface="+mj-ea"/>
+                <a:cs typeface="+mj-cs"/>
+              </a:defRPr>
+            </a:lvl1pPr>
+          </a:lstStyle>
+          <a:p>
+            <a:r>
+              <a:rPr lang="en-US" sz="1800" dirty="0">
+                <a:solidFill>
+                  <a:schemeClr val="bg1">
+                    <a:lumMod val="50000"/>
+                  </a:schemeClr>
+                </a:solidFill>
+              </a:rPr>
+              <a:t>Cybersecurity professionals must navigate complex legal frameworks while upholding ethical standards. Compliance with laws like </a:t>
+            </a:r>
+            <a:r>
+              <a:rPr lang="en-US" sz="1800" b="1" dirty="0">
+                <a:solidFill>
+                  <a:schemeClr val="bg1">
+                    <a:lumMod val="50000"/>
+                  </a:schemeClr>
+                </a:solidFill>
+              </a:rPr>
+              <a:t>GDPR</a:t>
+            </a:r>
+            <a:r>
+              <a:rPr lang="en-US" sz="1800" dirty="0">
+                <a:solidFill>
+                  <a:schemeClr val="bg1">
+                    <a:lumMod val="50000"/>
+                  </a:schemeClr>
+                </a:solidFill>
+              </a:rPr>
+              <a:t> and </a:t>
+            </a:r>
+            <a:r>
+              <a:rPr lang="en-US" sz="1800" b="1" dirty="0">
+                <a:solidFill>
+                  <a:schemeClr val="bg1">
+                    <a:lumMod val="50000"/>
+                  </a:schemeClr>
+                </a:solidFill>
+              </a:rPr>
+              <a:t>HIPAA</a:t>
+            </a:r>
+            <a:r>
+              <a:rPr lang="en-US" sz="1800" dirty="0">
+                <a:solidFill>
+                  <a:schemeClr val="bg1">
+                    <a:lumMod val="50000"/>
+                  </a:schemeClr>
+                </a:solidFill>
+              </a:rPr>
+              <a:t> is mandatory, but ethical responsibility goes beyond legal requirements to ensure </a:t>
+            </a:r>
+            <a:r>
+              <a:rPr lang="en-US" sz="1800" b="1" i="1" dirty="0">
+                <a:solidFill>
+                  <a:schemeClr val="bg1">
+                    <a:lumMod val="50000"/>
+                  </a:schemeClr>
+                </a:solidFill>
+              </a:rPr>
+              <a:t>trust, fairness, </a:t>
+            </a:r>
+            <a:r>
+              <a:rPr lang="en-US" sz="1800" i="1" dirty="0">
+                <a:solidFill>
+                  <a:schemeClr val="bg1">
+                    <a:lumMod val="50000"/>
+                  </a:schemeClr>
+                </a:solidFill>
+              </a:rPr>
+              <a:t>and</a:t>
+            </a:r>
+            <a:r>
+              <a:rPr lang="en-US" sz="1800" b="1" i="1" dirty="0">
+                <a:solidFill>
+                  <a:schemeClr val="bg1">
+                    <a:lumMod val="50000"/>
+                  </a:schemeClr>
+                </a:solidFill>
+              </a:rPr>
+              <a:t> accountability </a:t>
+            </a:r>
+            <a:r>
+              <a:rPr lang="en-US" sz="1800" dirty="0">
+                <a:solidFill>
+                  <a:schemeClr val="bg1">
+                    <a:lumMod val="50000"/>
+                  </a:schemeClr>
+                </a:solidFill>
+              </a:rPr>
+              <a:t>in the digital world.</a:t>
+            </a:r>
+            <a:endParaRPr lang="en-US" sz="1800" i="1" dirty="0">
+              <a:solidFill>
+                <a:schemeClr val="bg1">
+                  <a:lumMod val="50000"/>
+                </a:schemeClr>
+              </a:solidFill>
+            </a:endParaRPr>
+          </a:p>
+        </p:txBody>
+      </p:sp>
+      <p:pic>
+        <p:nvPicPr>
+          <p:cNvPr id="3" name="Picture 2"/>
+          <p:cNvPicPr>
+            <a:picLocks noChangeAspect="1"/>
+          </p:cNvPicPr>
+          <p:nvPr/>
+        </p:nvPicPr>
+        <p:blipFill>
+          <a:blip r:embed="rId2"/>
+          <a:stretch>
+            <a:fillRect/>
+          </a:stretch>
+        </p:blipFill>
+        <p:spPr>
+          <a:xfrm>
+            <a:off x="1258608" y="420111"/>
+            <a:ext cx="9674784" cy="4205504"/>
+          </a:xfrm>
+          <a:prstGeom prst="rect">
+            <a:avLst/>
+          </a:prstGeom>
+        </p:spPr>
+      </p:pic>
+    </p:spTree>
+    <p:extLst>
+      <p:ext uri="{BB962C8B-B14F-4D97-AF65-F5344CB8AC3E}">
+        <p14:creationId xmlns:p14="http://schemas.microsoft.com/office/powerpoint/2010/main" val="4105204036"/>
+      </p:ext>
+    </p:extLst>
+  </p:cSld>
+  <p:clrMapOvr>
+    <a:masterClrMapping/>
+  </p:clrMapOvr>
+  <mc:AlternateContent xmlns:mc="http://schemas.openxmlformats.org/markup-compatibility/2006" xmlns:p14="http://schemas.microsoft.com/office/powerpoint/2010/main">
+    <mc:Choice Requires="p14">
+      <p:transition spd="med" p14:dur="700">
+        <p:fade/>
+      </p:transition>
+    </mc:Choice>
+    <mc:Fallback xmlns="">
+      <p:transition spd="med">
+        <p:fade/>
+      </p:transition>
+    </mc:Fallback>
+  </mc:AlternateContent>
   <p:timing>
     <p:tnLst>
       <p:par>
@@ -3484,13 +6089,13 @@
   <p:clrMapOvr>
     <a:masterClrMapping/>
   </p:clrMapOvr>
-  <mc:AlternateContent xmlns:mc="http://schemas.openxmlformats.org/markup-compatibility/2006">
-    <mc:Choice xmlns:p14="http://schemas.microsoft.com/office/powerpoint/2010/main" Requires="p14">
+  <mc:AlternateContent xmlns:mc="http://schemas.openxmlformats.org/markup-compatibility/2006" xmlns:p14="http://schemas.microsoft.com/office/powerpoint/2010/main">
+    <mc:Choice Requires="p14">
       <p:transition spd="med" p14:dur="700">
         <p:fade/>
       </p:transition>
     </mc:Choice>
-    <mc:Fallback>
+    <mc:Fallback xmlns="">
       <p:transition spd="med">
         <p:fade/>
       </p:transition>
@@ -3640,13 +6245,13 @@
   <p:clrMapOvr>
     <a:masterClrMapping/>
   </p:clrMapOvr>
-  <mc:AlternateContent xmlns:mc="http://schemas.openxmlformats.org/markup-compatibility/2006">
-    <mc:Choice xmlns:p14="http://schemas.microsoft.com/office/powerpoint/2010/main" Requires="p14">
+  <mc:AlternateContent xmlns:mc="http://schemas.openxmlformats.org/markup-compatibility/2006" xmlns:p14="http://schemas.microsoft.com/office/powerpoint/2010/main">
+    <mc:Choice Requires="p14">
       <p:transition spd="med" p14:dur="700">
         <p:fade/>
       </p:transition>
     </mc:Choice>
-    <mc:Fallback>
+    <mc:Fallback xmlns="">
       <p:transition spd="med">
         <p:fade/>
       </p:transition>
@@ -3796,13 +6401,13 @@
   <p:clrMapOvr>
     <a:masterClrMapping/>
   </p:clrMapOvr>
-  <mc:AlternateContent xmlns:mc="http://schemas.openxmlformats.org/markup-compatibility/2006">
-    <mc:Choice xmlns:p14="http://schemas.microsoft.com/office/powerpoint/2010/main" Requires="p14">
+  <mc:AlternateContent xmlns:mc="http://schemas.openxmlformats.org/markup-compatibility/2006" xmlns:p14="http://schemas.microsoft.com/office/powerpoint/2010/main">
+    <mc:Choice Requires="p14">
       <p:transition spd="med" p14:dur="700">
         <p:fade/>
       </p:transition>
     </mc:Choice>
-    <mc:Fallback>
+    <mc:Fallback xmlns="">
       <p:transition spd="med">
         <p:fade/>
       </p:transition>
@@ -3952,13 +6557,13 @@
   <p:clrMapOvr>
     <a:masterClrMapping/>
   </p:clrMapOvr>
-  <mc:AlternateContent xmlns:mc="http://schemas.openxmlformats.org/markup-compatibility/2006">
-    <mc:Choice xmlns:p14="http://schemas.microsoft.com/office/powerpoint/2010/main" Requires="p14">
+  <mc:AlternateContent xmlns:mc="http://schemas.openxmlformats.org/markup-compatibility/2006" xmlns:p14="http://schemas.microsoft.com/office/powerpoint/2010/main">
+    <mc:Choice Requires="p14">
       <p:transition spd="med" p14:dur="700">
         <p:fade/>
       </p:transition>
     </mc:Choice>
-    <mc:Fallback>
+    <mc:Fallback xmlns="">
       <p:transition spd="med">
         <p:fade/>
       </p:transition>
@@ -4221,13 +6826,13 @@
   <p:clrMapOvr>
     <a:masterClrMapping/>
   </p:clrMapOvr>
-  <mc:AlternateContent xmlns:mc="http://schemas.openxmlformats.org/markup-compatibility/2006">
-    <mc:Choice xmlns:p14="http://schemas.microsoft.com/office/powerpoint/2010/main" Requires="p14">
+  <mc:AlternateContent xmlns:mc="http://schemas.openxmlformats.org/markup-compatibility/2006" xmlns:p14="http://schemas.microsoft.com/office/powerpoint/2010/main">
+    <mc:Choice Requires="p14">
       <p:transition spd="med" p14:dur="700">
         <p:fade/>
       </p:transition>
     </mc:Choice>
-    <mc:Fallback>
+    <mc:Fallback xmlns="">
       <p:transition spd="med">
         <p:fade/>
       </p:transition>
@@ -4588,18 +7193,107 @@
   <p:clrMapOvr>
     <a:masterClrMapping/>
   </p:clrMapOvr>
-  <mc:AlternateContent xmlns:mc="http://schemas.openxmlformats.org/markup-compatibility/2006">
-    <mc:Choice xmlns:p14="http://schemas.microsoft.com/office/powerpoint/2010/main" Requires="p14">
+  <mc:AlternateContent xmlns:mc="http://schemas.openxmlformats.org/markup-compatibility/2006" xmlns:p14="http://schemas.microsoft.com/office/powerpoint/2010/main">
+    <mc:Choice Requires="p14">
       <p:transition spd="med" p14:dur="700">
         <p:fade/>
       </p:transition>
     </mc:Choice>
-    <mc:Fallback>
+    <mc:Fallback xmlns="">
       <p:transition spd="med">
         <p:fade/>
       </p:transition>
     </mc:Fallback>
   </mc:AlternateContent>
+  <p:timing>
+    <p:tnLst>
+      <p:par>
+        <p:cTn id="1" dur="indefinite" restart="never" nodeType="tmRoot"/>
+      </p:par>
+    </p:tnLst>
+  </p:timing>
+</p:sld>
+</file>
+
+<file path=ppt/slides/slide9.xml><?xml version="1.0" encoding="utf-8"?>
+<p:sld xmlns:a="http://schemas.openxmlformats.org/drawingml/2006/main" xmlns:r="http://schemas.openxmlformats.org/officeDocument/2006/relationships" xmlns:p="http://schemas.openxmlformats.org/presentationml/2006/main">
+  <p:cSld>
+    <p:spTree>
+      <p:nvGrpSpPr>
+        <p:cNvPr id="1" name=""/>
+        <p:cNvGrpSpPr/>
+        <p:nvPr/>
+      </p:nvGrpSpPr>
+      <p:grpSpPr>
+        <a:xfrm>
+          <a:off x="0" y="0"/>
+          <a:ext cx="0" cy="0"/>
+          <a:chOff x="0" y="0"/>
+          <a:chExt cx="0" cy="0"/>
+        </a:xfrm>
+      </p:grpSpPr>
+      <p:sp>
+        <p:nvSpPr>
+          <p:cNvPr id="2" name="Title 1"/>
+          <p:cNvSpPr>
+            <a:spLocks noGrp="1"/>
+          </p:cNvSpPr>
+          <p:nvPr>
+            <p:ph type="title"/>
+          </p:nvPr>
+        </p:nvSpPr>
+        <p:spPr/>
+        <p:txBody>
+          <a:bodyPr>
+            <a:normAutofit/>
+          </a:bodyPr>
+          <a:lstStyle/>
+          <a:p>
+            <a:r>
+              <a:rPr lang="en-US" b="1" dirty="0">
+                <a:effectLst>
+                  <a:outerShdw blurRad="38100" dist="38100" dir="2700000" algn="tl">
+                    <a:srgbClr val="000000">
+                      <a:alpha val="43137"/>
+                    </a:srgbClr>
+                  </a:outerShdw>
+                </a:effectLst>
+              </a:rPr>
+              <a:t>The CIA Triad: Confidentiality, Integrity, Availability.</a:t>
+            </a:r>
+            <a:endParaRPr lang="en-US" b="1" dirty="0"/>
+          </a:p>
+        </p:txBody>
+      </p:sp>
+      <p:sp>
+        <p:nvSpPr>
+          <p:cNvPr id="3" name="Text Placeholder 2"/>
+          <p:cNvSpPr>
+            <a:spLocks noGrp="1"/>
+          </p:cNvSpPr>
+          <p:nvPr>
+            <p:ph type="body" idx="1"/>
+          </p:nvPr>
+        </p:nvSpPr>
+        <p:spPr/>
+        <p:txBody>
+          <a:bodyPr/>
+          <a:lstStyle/>
+          <a:p>
+            <a:endParaRPr lang="en-US"/>
+          </a:p>
+        </p:txBody>
+      </p:sp>
+    </p:spTree>
+    <p:extLst>
+      <p:ext uri="{BB962C8B-B14F-4D97-AF65-F5344CB8AC3E}">
+        <p14:creationId xmlns:p14="http://schemas.microsoft.com/office/powerpoint/2010/main" val="2561283482"/>
+      </p:ext>
+    </p:extLst>
+  </p:cSld>
+  <p:clrMapOvr>
+    <a:masterClrMapping/>
+  </p:clrMapOvr>
   <p:timing>
     <p:tnLst>
       <p:par>
